--- a/presentation.pptx
+++ b/presentation.pptx
@@ -5,7 +5,7 @@
     <p:sldMasterId id="2147483648" r:id="rId1"/>
   </p:sldMasterIdLst>
   <p:notesMasterIdLst>
-    <p:notesMasterId r:id="rId16"/>
+    <p:notesMasterId r:id="rId17"/>
   </p:notesMasterIdLst>
   <p:sldIdLst>
     <p:sldId id="256" r:id="rId2"/>
@@ -21,7 +21,8 @@
     <p:sldId id="267" r:id="rId12"/>
     <p:sldId id="268" r:id="rId13"/>
     <p:sldId id="269" r:id="rId14"/>
-    <p:sldId id="270" r:id="rId15"/>
+    <p:sldId id="271" r:id="rId15"/>
+    <p:sldId id="270" r:id="rId16"/>
   </p:sldIdLst>
   <p:sldSz cx="12192000" cy="6858000"/>
   <p:notesSz cx="6858000" cy="9144000"/>
@@ -5103,7 +5104,7 @@
           <a:p>
             <a:fld id="{043B22FA-AF66-4FEC-AA41-1351F4F55EA7}" type="datetimeFigureOut">
               <a:rPr lang="zh-CN" altLang="en-US" smtClean="0"/>
-              <a:t>2025/5/19</a:t>
+              <a:t>2025/5/20</a:t>
             </a:fld>
             <a:endParaRPr lang="zh-CN" altLang="en-US"/>
           </a:p>
@@ -9621,6 +9622,129 @@
       </p:grpSpPr>
       <p:sp>
         <p:nvSpPr>
+          <p:cNvPr id="2" name="标题 1">
+            <a:extLst>
+              <a:ext uri="{FF2B5EF4-FFF2-40B4-BE49-F238E27FC236}">
+                <a16:creationId xmlns:a16="http://schemas.microsoft.com/office/drawing/2014/main" id="{615C739F-AB27-EDEB-0602-9246719526AA}"/>
+              </a:ext>
+            </a:extLst>
+          </p:cNvPr>
+          <p:cNvSpPr>
+            <a:spLocks noGrp="1"/>
+          </p:cNvSpPr>
+          <p:nvPr>
+            <p:ph type="title"/>
+          </p:nvPr>
+        </p:nvSpPr>
+        <p:spPr/>
+        <p:txBody>
+          <a:bodyPr/>
+          <a:lstStyle/>
+          <a:p>
+            <a:r>
+              <a:rPr lang="en-US" altLang="zh-CN" dirty="0"/>
+              <a:t>Reference</a:t>
+            </a:r>
+            <a:endParaRPr lang="zh-CN" altLang="en-US" dirty="0"/>
+          </a:p>
+        </p:txBody>
+      </p:sp>
+      <p:sp>
+        <p:nvSpPr>
+          <p:cNvPr id="3" name="页脚占位符 2">
+            <a:extLst>
+              <a:ext uri="{FF2B5EF4-FFF2-40B4-BE49-F238E27FC236}">
+                <a16:creationId xmlns:a16="http://schemas.microsoft.com/office/drawing/2014/main" id="{B0713EE0-D47F-35B5-059E-D81DE586DE4D}"/>
+              </a:ext>
+            </a:extLst>
+          </p:cNvPr>
+          <p:cNvSpPr>
+            <a:spLocks noGrp="1"/>
+          </p:cNvSpPr>
+          <p:nvPr>
+            <p:ph type="ftr" sz="quarter" idx="3"/>
+          </p:nvPr>
+        </p:nvSpPr>
+        <p:spPr/>
+        <p:txBody>
+          <a:bodyPr/>
+          <a:lstStyle/>
+          <a:p>
+            <a:r>
+              <a:rPr lang="en-US" altLang="zh-CN"/>
+              <a:t>Wenzhou – Kean University</a:t>
+            </a:r>
+          </a:p>
+          <a:p>
+            <a:r>
+              <a:rPr lang="en-US" altLang="zh-CN"/>
+              <a:t>College of Science, Mathematics and Technology</a:t>
+            </a:r>
+            <a:endParaRPr lang="en-US" altLang="zh-CN" dirty="0"/>
+          </a:p>
+        </p:txBody>
+      </p:sp>
+      <p:sp>
+        <p:nvSpPr>
+          <p:cNvPr id="4" name="灯片编号占位符 3">
+            <a:extLst>
+              <a:ext uri="{FF2B5EF4-FFF2-40B4-BE49-F238E27FC236}">
+                <a16:creationId xmlns:a16="http://schemas.microsoft.com/office/drawing/2014/main" id="{2E65BA92-AC92-F697-446D-061B71580C66}"/>
+              </a:ext>
+            </a:extLst>
+          </p:cNvPr>
+          <p:cNvSpPr>
+            <a:spLocks noGrp="1"/>
+          </p:cNvSpPr>
+          <p:nvPr>
+            <p:ph type="sldNum" sz="quarter" idx="4"/>
+          </p:nvPr>
+        </p:nvSpPr>
+        <p:spPr/>
+        <p:txBody>
+          <a:bodyPr/>
+          <a:lstStyle/>
+          <a:p>
+            <a:fld id="{D5496141-EF9F-48D7-BC1D-782D37831BAB}" type="slidenum">
+              <a:rPr lang="zh-CN" altLang="en-US" smtClean="0"/>
+              <a:t>14</a:t>
+            </a:fld>
+            <a:endParaRPr lang="zh-CN" altLang="en-US"/>
+          </a:p>
+        </p:txBody>
+      </p:sp>
+    </p:spTree>
+    <p:extLst>
+      <p:ext uri="{BB962C8B-B14F-4D97-AF65-F5344CB8AC3E}">
+        <p14:creationId xmlns:p14="http://schemas.microsoft.com/office/powerpoint/2010/main" val="3157370406"/>
+      </p:ext>
+    </p:extLst>
+  </p:cSld>
+  <p:clrMapOvr>
+    <a:masterClrMapping/>
+  </p:clrMapOvr>
+</p:sld>
+</file>
+
+<file path=ppt/slides/slide15.xml><?xml version="1.0" encoding="utf-8"?>
+<p:sld xmlns:a="http://schemas.openxmlformats.org/drawingml/2006/main" xmlns:r="http://schemas.openxmlformats.org/officeDocument/2006/relationships" xmlns:p="http://schemas.openxmlformats.org/presentationml/2006/main">
+  <p:cSld>
+    <p:spTree>
+      <p:nvGrpSpPr>
+        <p:cNvPr id="1" name=""/>
+        <p:cNvGrpSpPr/>
+        <p:nvPr/>
+      </p:nvGrpSpPr>
+      <p:grpSpPr>
+        <a:xfrm>
+          <a:off x="0" y="0"/>
+          <a:ext cx="0" cy="0"/>
+          <a:chOff x="0" y="0"/>
+          <a:chExt cx="0" cy="0"/>
+        </a:xfrm>
+      </p:grpSpPr>
+      <p:sp>
+        <p:nvSpPr>
           <p:cNvPr id="3" name="页脚占位符 2">
             <a:extLst>
               <a:ext uri="{FF2B5EF4-FFF2-40B4-BE49-F238E27FC236}">
@@ -9716,7 +9840,7 @@
           <a:p>
             <a:fld id="{D5496141-EF9F-48D7-BC1D-782D37831BAB}" type="slidenum">
               <a:rPr lang="zh-CN" altLang="en-US" smtClean="0"/>
-              <a:t>14</a:t>
+              <a:t>15</a:t>
             </a:fld>
             <a:endParaRPr lang="zh-CN" altLang="en-US"/>
           </a:p>

--- a/presentation.pptx
+++ b/presentation.pptx
@@ -5,7 +5,7 @@
     <p:sldMasterId id="2147483648" r:id="rId1"/>
   </p:sldMasterIdLst>
   <p:notesMasterIdLst>
-    <p:notesMasterId r:id="rId16"/>
+    <p:notesMasterId r:id="rId24"/>
   </p:notesMasterIdLst>
   <p:sldIdLst>
     <p:sldId id="256" r:id="rId2"/>
@@ -16,12 +16,20 @@
     <p:sldId id="261" r:id="rId7"/>
     <p:sldId id="262" r:id="rId8"/>
     <p:sldId id="263" r:id="rId9"/>
-    <p:sldId id="264" r:id="rId10"/>
-    <p:sldId id="265" r:id="rId11"/>
-    <p:sldId id="267" r:id="rId12"/>
-    <p:sldId id="268" r:id="rId13"/>
-    <p:sldId id="269" r:id="rId14"/>
-    <p:sldId id="270" r:id="rId15"/>
+    <p:sldId id="271" r:id="rId10"/>
+    <p:sldId id="264" r:id="rId11"/>
+    <p:sldId id="272" r:id="rId12"/>
+    <p:sldId id="273" r:id="rId13"/>
+    <p:sldId id="265" r:id="rId14"/>
+    <p:sldId id="274" r:id="rId15"/>
+    <p:sldId id="275" r:id="rId16"/>
+    <p:sldId id="267" r:id="rId17"/>
+    <p:sldId id="276" r:id="rId18"/>
+    <p:sldId id="268" r:id="rId19"/>
+    <p:sldId id="277" r:id="rId20"/>
+    <p:sldId id="269" r:id="rId21"/>
+    <p:sldId id="278" r:id="rId22"/>
+    <p:sldId id="270" r:id="rId23"/>
   </p:sldIdLst>
   <p:sldSz cx="12192000" cy="6858000"/>
   <p:notesSz cx="6858000" cy="9144000"/>
@@ -5103,7 +5111,7 @@
           <a:p>
             <a:fld id="{043B22FA-AF66-4FEC-AA41-1351F4F55EA7}" type="datetimeFigureOut">
               <a:rPr lang="zh-CN" altLang="en-US" smtClean="0"/>
-              <a:t>2025/5/19</a:t>
+              <a:t>5/20 Tuesday</a:t>
             </a:fld>
             <a:endParaRPr lang="zh-CN" altLang="en-US"/>
           </a:p>
@@ -9119,7 +9127,7 @@
           <p:cNvPr id="2" name="标题 1">
             <a:extLst>
               <a:ext uri="{FF2B5EF4-FFF2-40B4-BE49-F238E27FC236}">
-                <a16:creationId xmlns:a16="http://schemas.microsoft.com/office/drawing/2014/main" id="{8D860F6B-42E9-9F3D-3E5C-6492931320FE}"/>
+                <a16:creationId xmlns:a16="http://schemas.microsoft.com/office/drawing/2014/main" id="{E214A8B4-121F-E057-091A-9B31698CB7AE}"/>
               </a:ext>
             </a:extLst>
           </p:cNvPr>
@@ -9137,11 +9145,7 @@
           <a:p>
             <a:r>
               <a:rPr lang="en-US" altLang="zh-CN" dirty="0"/>
-              <a:t>III. </a:t>
-            </a:r>
-            <a:r>
-              <a:rPr lang="en-US" altLang="zh-CN" dirty="0" err="1"/>
-              <a:t>NightwatchJS</a:t>
+              <a:t>III. Appium</a:t>
             </a:r>
             <a:endParaRPr lang="zh-CN" altLang="en-US" dirty="0"/>
           </a:p>
@@ -9152,7 +9156,7 @@
           <p:cNvPr id="3" name="页脚占位符 2">
             <a:extLst>
               <a:ext uri="{FF2B5EF4-FFF2-40B4-BE49-F238E27FC236}">
-                <a16:creationId xmlns:a16="http://schemas.microsoft.com/office/drawing/2014/main" id="{63C59E16-8580-4C62-315A-4438885277E9}"/>
+                <a16:creationId xmlns:a16="http://schemas.microsoft.com/office/drawing/2014/main" id="{58E59368-79B4-199A-4120-AF401C476760}"/>
               </a:ext>
             </a:extLst>
           </p:cNvPr>
@@ -9187,7 +9191,7 @@
           <p:cNvPr id="4" name="灯片编号占位符 3">
             <a:extLst>
               <a:ext uri="{FF2B5EF4-FFF2-40B4-BE49-F238E27FC236}">
-                <a16:creationId xmlns:a16="http://schemas.microsoft.com/office/drawing/2014/main" id="{BE0A4410-54B8-51BC-D0F6-48AE9728E0B7}"/>
+                <a16:creationId xmlns:a16="http://schemas.microsoft.com/office/drawing/2014/main" id="{DADC2A72-A24B-B98E-FF1F-659D846AE762}"/>
               </a:ext>
             </a:extLst>
           </p:cNvPr>
@@ -9211,10 +9215,93 @@
           </a:p>
         </p:txBody>
       </p:sp>
+      <p:sp>
+        <p:nvSpPr>
+          <p:cNvPr id="6" name="文本框 5">
+            <a:extLst>
+              <a:ext uri="{FF2B5EF4-FFF2-40B4-BE49-F238E27FC236}">
+                <a16:creationId xmlns:a16="http://schemas.microsoft.com/office/drawing/2014/main" id="{71E2FEEC-6574-93CF-42D9-3EEF498B4A4F}"/>
+              </a:ext>
+            </a:extLst>
+          </p:cNvPr>
+          <p:cNvSpPr txBox="1"/>
+          <p:nvPr/>
+        </p:nvSpPr>
+        <p:spPr>
+          <a:xfrm>
+            <a:off x="1299542" y="1515908"/>
+            <a:ext cx="6097656" cy="1182375"/>
+          </a:xfrm>
+          <a:prstGeom prst="rect">
+            <a:avLst/>
+          </a:prstGeom>
+          <a:noFill/>
+        </p:spPr>
+        <p:txBody>
+          <a:bodyPr wrap="square">
+            <a:spAutoFit/>
+          </a:bodyPr>
+          <a:lstStyle/>
+          <a:p>
+            <a:pPr>
+              <a:lnSpc>
+                <a:spcPts val="1650"/>
+              </a:lnSpc>
+            </a:pPr>
+            <a:r>
+              <a:rPr lang="en-US" altLang="zh-CN" b="0" dirty="0">
+                <a:solidFill>
+                  <a:srgbClr val="CCCCCC"/>
+                </a:solidFill>
+                <a:effectLst/>
+                <a:latin typeface="Cascadia Next SC" panose="020B0609020000020004" pitchFamily="49" charset="-120"/>
+                <a:ea typeface="Cascadia Next SC" panose="020B0609020000020004" pitchFamily="49" charset="-120"/>
+              </a:rPr>
+              <a:t>Appium is a popular open-source framework used for automated mobile app testing. It allows developers to automate the testing of native or hybrid iOS and Android applications. Appium doesn't work alone. It runs the test cases using the WebDriver interface. </a:t>
+            </a:r>
+          </a:p>
+        </p:txBody>
+      </p:sp>
+      <p:pic>
+        <p:nvPicPr>
+          <p:cNvPr id="8" name="图片 7">
+            <a:extLst>
+              <a:ext uri="{FF2B5EF4-FFF2-40B4-BE49-F238E27FC236}">
+                <a16:creationId xmlns:a16="http://schemas.microsoft.com/office/drawing/2014/main" id="{16609B88-CE09-A011-A496-0637057277F2}"/>
+              </a:ext>
+            </a:extLst>
+          </p:cNvPr>
+          <p:cNvPicPr>
+            <a:picLocks noChangeAspect="1"/>
+          </p:cNvPicPr>
+          <p:nvPr/>
+        </p:nvPicPr>
+        <p:blipFill>
+          <a:blip r:embed="rId2">
+            <a:extLst>
+              <a:ext uri="{28A0092B-C50C-407E-A947-70E740481C1C}">
+                <a14:useLocalDpi xmlns:a14="http://schemas.microsoft.com/office/drawing/2010/main" val="0"/>
+              </a:ext>
+            </a:extLst>
+          </a:blip>
+          <a:stretch>
+            <a:fillRect/>
+          </a:stretch>
+        </p:blipFill>
+        <p:spPr>
+          <a:xfrm>
+            <a:off x="5098773" y="2698283"/>
+            <a:ext cx="6645965" cy="3455902"/>
+          </a:xfrm>
+          <a:prstGeom prst="rect">
+            <a:avLst/>
+          </a:prstGeom>
+        </p:spPr>
+      </p:pic>
     </p:spTree>
     <p:extLst>
       <p:ext uri="{BB962C8B-B14F-4D97-AF65-F5344CB8AC3E}">
-        <p14:creationId xmlns:p14="http://schemas.microsoft.com/office/powerpoint/2010/main" val="1368081554"/>
+        <p14:creationId xmlns:p14="http://schemas.microsoft.com/office/powerpoint/2010/main" val="3416848822"/>
       </p:ext>
     </p:extLst>
   </p:cSld>
@@ -9246,7 +9333,7 @@
           <p:cNvPr id="2" name="标题 1">
             <a:extLst>
               <a:ext uri="{FF2B5EF4-FFF2-40B4-BE49-F238E27FC236}">
-                <a16:creationId xmlns:a16="http://schemas.microsoft.com/office/drawing/2014/main" id="{FD875CD1-C89D-7AA2-504F-2EAF852A21DD}"/>
+                <a16:creationId xmlns:a16="http://schemas.microsoft.com/office/drawing/2014/main" id="{F94175BD-92F9-CE54-314F-93CE41E8E57F}"/>
               </a:ext>
             </a:extLst>
           </p:cNvPr>
@@ -9257,25 +9344,12 @@
             <p:ph type="title"/>
           </p:nvPr>
         </p:nvSpPr>
-        <p:spPr>
-          <a:xfrm>
-            <a:off x="152400" y="180216"/>
-            <a:ext cx="8362122" cy="425752"/>
-          </a:xfrm>
-        </p:spPr>
+        <p:spPr/>
         <p:txBody>
           <a:bodyPr/>
           <a:lstStyle/>
           <a:p>
-            <a:r>
-              <a:rPr lang="en-US" altLang="zh-CN" dirty="0"/>
-              <a:t>IV. </a:t>
-            </a:r>
-            <a:r>
-              <a:rPr lang="en-US" altLang="zh-CN" sz="3200" b="1" dirty="0"/>
-              <a:t>Challenge of Mobile Testing Automation</a:t>
-            </a:r>
-            <a:endParaRPr lang="zh-CN" altLang="en-US" dirty="0"/>
+            <a:endParaRPr lang="zh-CN" altLang="en-US"/>
           </a:p>
         </p:txBody>
       </p:sp>
@@ -9284,7 +9358,7 @@
           <p:cNvPr id="3" name="页脚占位符 2">
             <a:extLst>
               <a:ext uri="{FF2B5EF4-FFF2-40B4-BE49-F238E27FC236}">
-                <a16:creationId xmlns:a16="http://schemas.microsoft.com/office/drawing/2014/main" id="{3D5F3CAC-E0AF-9E80-B3C9-544E0A92ECC3}"/>
+                <a16:creationId xmlns:a16="http://schemas.microsoft.com/office/drawing/2014/main" id="{51F12332-9007-AB36-332B-F13543DB8FDC}"/>
               </a:ext>
             </a:extLst>
           </p:cNvPr>
@@ -9319,7 +9393,7 @@
           <p:cNvPr id="4" name="灯片编号占位符 3">
             <a:extLst>
               <a:ext uri="{FF2B5EF4-FFF2-40B4-BE49-F238E27FC236}">
-                <a16:creationId xmlns:a16="http://schemas.microsoft.com/office/drawing/2014/main" id="{6E97D17B-5F46-B752-DEC0-6F4DEE8D84AC}"/>
+                <a16:creationId xmlns:a16="http://schemas.microsoft.com/office/drawing/2014/main" id="{97911D51-EA55-9D19-74A8-6955EADE8AFD}"/>
               </a:ext>
             </a:extLst>
           </p:cNvPr>
@@ -9343,10 +9417,79 @@
           </a:p>
         </p:txBody>
       </p:sp>
+      <p:sp>
+        <p:nvSpPr>
+          <p:cNvPr id="6" name="文本框 5">
+            <a:extLst>
+              <a:ext uri="{FF2B5EF4-FFF2-40B4-BE49-F238E27FC236}">
+                <a16:creationId xmlns:a16="http://schemas.microsoft.com/office/drawing/2014/main" id="{E94CD41B-7D34-D591-AF5B-0C3D9494674E}"/>
+              </a:ext>
+            </a:extLst>
+          </p:cNvPr>
+          <p:cNvSpPr txBox="1"/>
+          <p:nvPr/>
+        </p:nvSpPr>
+        <p:spPr>
+          <a:xfrm>
+            <a:off x="3048828" y="1222628"/>
+            <a:ext cx="6097656" cy="4452501"/>
+          </a:xfrm>
+          <a:prstGeom prst="rect">
+            <a:avLst/>
+          </a:prstGeom>
+          <a:noFill/>
+        </p:spPr>
+        <p:txBody>
+          <a:bodyPr wrap="square">
+            <a:spAutoFit/>
+          </a:bodyPr>
+          <a:lstStyle/>
+          <a:p>
+            <a:pPr>
+              <a:lnSpc>
+                <a:spcPts val="1650"/>
+              </a:lnSpc>
+            </a:pPr>
+            <a:r>
+              <a:rPr lang="en-US" altLang="zh-CN" b="0" dirty="0">
+                <a:solidFill>
+                  <a:srgbClr val="CCCCCC"/>
+                </a:solidFill>
+                <a:effectLst/>
+                <a:latin typeface="Cascadia Next SC" panose="020B0609020000020004" pitchFamily="49" charset="-120"/>
+                <a:ea typeface="Cascadia Next SC" panose="020B0609020000020004" pitchFamily="49" charset="-120"/>
+              </a:rPr>
+              <a:t>Similar to Selenium, Appium is a versatile testing framework that supports multiple programming languages including Java, JavaScript, PHP, Ruby, Python, and C</a:t>
+            </a:r>
+            <a:r>
+              <a:rPr lang="en-US" altLang="zh-CN" b="0" dirty="0">
+                <a:solidFill>
+                  <a:srgbClr val="D7BA7D"/>
+                </a:solidFill>
+                <a:effectLst/>
+                <a:latin typeface="Cascadia Next SC" panose="020B0609020000020004" pitchFamily="49" charset="-120"/>
+                <a:ea typeface="Cascadia Next SC" panose="020B0609020000020004" pitchFamily="49" charset="-120"/>
+              </a:rPr>
+              <a:t>\#</a:t>
+            </a:r>
+            <a:r>
+              <a:rPr lang="en-US" altLang="zh-CN" b="0" dirty="0">
+                <a:solidFill>
+                  <a:srgbClr val="CCCCCC"/>
+                </a:solidFill>
+                <a:effectLst/>
+                <a:latin typeface="Cascadia Next SC" panose="020B0609020000020004" pitchFamily="49" charset="-120"/>
+                <a:ea typeface="Cascadia Next SC" panose="020B0609020000020004" pitchFamily="49" charset="-120"/>
+              </a:rPr>
+              <a:t>. As a flexible cross-platform solution, it enables testers to create scripts that work across Windows, iOS, and Android platforms using a unified API. One of its key advantages is the ability to reuse source code between Android and iOS, significantly reducing development time and effort. Notably, Appium doesn't require modifications to the app's source code for automation purposes. The framework supports testing of native, hybrid, and mobile web applications, while also integrating seamlessly with popular cross-platform development frameworks like React Native, Xamarin, and Flutter. To enhance the testing experience, Appium provides useful built-in tools such as Appium Desktop and Appium Inspector, which help in inspecting app elements and generating test scripts.</a:t>
+            </a:r>
+          </a:p>
+        </p:txBody>
+      </p:sp>
     </p:spTree>
     <p:extLst>
       <p:ext uri="{BB962C8B-B14F-4D97-AF65-F5344CB8AC3E}">
-        <p14:creationId xmlns:p14="http://schemas.microsoft.com/office/powerpoint/2010/main" val="4143516298"/>
+        <p14:creationId xmlns:p14="http://schemas.microsoft.com/office/powerpoint/2010/main" val="3715708638"/>
       </p:ext>
     </p:extLst>
   </p:cSld>
@@ -9378,7 +9521,7 @@
           <p:cNvPr id="2" name="标题 1">
             <a:extLst>
               <a:ext uri="{FF2B5EF4-FFF2-40B4-BE49-F238E27FC236}">
-                <a16:creationId xmlns:a16="http://schemas.microsoft.com/office/drawing/2014/main" id="{0D636F5C-83E1-605D-AE81-C414CEDE2E33}"/>
+                <a16:creationId xmlns:a16="http://schemas.microsoft.com/office/drawing/2014/main" id="{7A76924E-0A67-8634-9836-0BCA2C62D569}"/>
               </a:ext>
             </a:extLst>
           </p:cNvPr>
@@ -9394,11 +9537,7 @@
           <a:bodyPr/>
           <a:lstStyle/>
           <a:p>
-            <a:r>
-              <a:rPr lang="en-US" altLang="zh-CN" dirty="0"/>
-              <a:t>V. About the Future</a:t>
-            </a:r>
-            <a:endParaRPr lang="zh-CN" altLang="en-US" dirty="0"/>
+            <a:endParaRPr lang="zh-CN" altLang="en-US"/>
           </a:p>
         </p:txBody>
       </p:sp>
@@ -9407,7 +9546,7 @@
           <p:cNvPr id="3" name="页脚占位符 2">
             <a:extLst>
               <a:ext uri="{FF2B5EF4-FFF2-40B4-BE49-F238E27FC236}">
-                <a16:creationId xmlns:a16="http://schemas.microsoft.com/office/drawing/2014/main" id="{DE86E4EA-54C4-3037-8D96-B1F3BF84510A}"/>
+                <a16:creationId xmlns:a16="http://schemas.microsoft.com/office/drawing/2014/main" id="{6804E117-2E43-E963-D1EC-C33E6BEA5600}"/>
               </a:ext>
             </a:extLst>
           </p:cNvPr>
@@ -9442,7 +9581,7 @@
           <p:cNvPr id="4" name="灯片编号占位符 3">
             <a:extLst>
               <a:ext uri="{FF2B5EF4-FFF2-40B4-BE49-F238E27FC236}">
-                <a16:creationId xmlns:a16="http://schemas.microsoft.com/office/drawing/2014/main" id="{6F1E6C58-3F62-8178-B646-09A9BF43415B}"/>
+                <a16:creationId xmlns:a16="http://schemas.microsoft.com/office/drawing/2014/main" id="{B502B79E-68B1-CE77-9C94-338CFF2D0F52}"/>
               </a:ext>
             </a:extLst>
           </p:cNvPr>
@@ -9466,10 +9605,289 @@
           </a:p>
         </p:txBody>
       </p:sp>
+      <p:sp>
+        <p:nvSpPr>
+          <p:cNvPr id="6" name="文本框 5">
+            <a:extLst>
+              <a:ext uri="{FF2B5EF4-FFF2-40B4-BE49-F238E27FC236}">
+                <a16:creationId xmlns:a16="http://schemas.microsoft.com/office/drawing/2014/main" id="{118B8F12-AF8D-B27C-3512-F6ADF56013B2}"/>
+              </a:ext>
+            </a:extLst>
+          </p:cNvPr>
+          <p:cNvSpPr txBox="1"/>
+          <p:nvPr/>
+        </p:nvSpPr>
+        <p:spPr>
+          <a:xfrm>
+            <a:off x="3048828" y="1004619"/>
+            <a:ext cx="6097656" cy="4888518"/>
+          </a:xfrm>
+          <a:prstGeom prst="rect">
+            <a:avLst/>
+          </a:prstGeom>
+          <a:noFill/>
+        </p:spPr>
+        <p:txBody>
+          <a:bodyPr wrap="square">
+            <a:spAutoFit/>
+          </a:bodyPr>
+          <a:lstStyle/>
+          <a:p>
+            <a:pPr>
+              <a:lnSpc>
+                <a:spcPts val="1650"/>
+              </a:lnSpc>
+              <a:buNone/>
+            </a:pPr>
+            <a:r>
+              <a:rPr lang="en-US" altLang="zh-CN" b="0" dirty="0">
+                <a:solidFill>
+                  <a:srgbClr val="CCCCCC"/>
+                </a:solidFill>
+                <a:effectLst/>
+                <a:latin typeface="Cascadia Next SC" panose="020B0609020000020004" pitchFamily="49" charset="-120"/>
+                <a:ea typeface="Cascadia Next SC" panose="020B0609020000020004" pitchFamily="49" charset="-120"/>
+              </a:rPr>
+              <a:t>The following are the pros of using Appium:</a:t>
+            </a:r>
+          </a:p>
+          <a:p>
+            <a:pPr>
+              <a:lnSpc>
+                <a:spcPts val="1650"/>
+              </a:lnSpc>
+              <a:buNone/>
+            </a:pPr>
+            <a:r>
+              <a:rPr lang="en-US" altLang="zh-CN" b="0" dirty="0">
+                <a:solidFill>
+                  <a:srgbClr val="CCCCCC"/>
+                </a:solidFill>
+                <a:effectLst/>
+                <a:latin typeface="Cascadia Next SC" panose="020B0609020000020004" pitchFamily="49" charset="-120"/>
+                <a:ea typeface="Cascadia Next SC" panose="020B0609020000020004" pitchFamily="49" charset="-120"/>
+              </a:rPr>
+              <a:t>- Supports multiple programming languages (Java, JavaScript, Python, C</a:t>
+            </a:r>
+            <a:r>
+              <a:rPr lang="en-US" altLang="zh-CN" b="0" dirty="0">
+                <a:solidFill>
+                  <a:srgbClr val="D7BA7D"/>
+                </a:solidFill>
+                <a:effectLst/>
+                <a:latin typeface="Cascadia Next SC" panose="020B0609020000020004" pitchFamily="49" charset="-120"/>
+                <a:ea typeface="Cascadia Next SC" panose="020B0609020000020004" pitchFamily="49" charset="-120"/>
+              </a:rPr>
+              <a:t>\#</a:t>
+            </a:r>
+            <a:r>
+              <a:rPr lang="en-US" altLang="zh-CN" b="0" dirty="0">
+                <a:solidFill>
+                  <a:srgbClr val="CCCCCC"/>
+                </a:solidFill>
+                <a:effectLst/>
+                <a:latin typeface="Cascadia Next SC" panose="020B0609020000020004" pitchFamily="49" charset="-120"/>
+                <a:ea typeface="Cascadia Next SC" panose="020B0609020000020004" pitchFamily="49" charset="-120"/>
+              </a:rPr>
+              <a:t>, etc.).</a:t>
+            </a:r>
+          </a:p>
+          <a:p>
+            <a:pPr>
+              <a:lnSpc>
+                <a:spcPts val="1650"/>
+              </a:lnSpc>
+              <a:buNone/>
+            </a:pPr>
+            <a:r>
+              <a:rPr lang="en-US" altLang="zh-CN" b="0" dirty="0">
+                <a:solidFill>
+                  <a:srgbClr val="CCCCCC"/>
+                </a:solidFill>
+                <a:effectLst/>
+                <a:latin typeface="Cascadia Next SC" panose="020B0609020000020004" pitchFamily="49" charset="-120"/>
+                <a:ea typeface="Cascadia Next SC" panose="020B0609020000020004" pitchFamily="49" charset="-120"/>
+              </a:rPr>
+              <a:t>- Enables cross-platform testing for iOS and Android with a single API.</a:t>
+            </a:r>
+          </a:p>
+          <a:p>
+            <a:pPr>
+              <a:lnSpc>
+                <a:spcPts val="1650"/>
+              </a:lnSpc>
+              <a:buNone/>
+            </a:pPr>
+            <a:r>
+              <a:rPr lang="en-US" altLang="zh-CN" b="0" dirty="0">
+                <a:solidFill>
+                  <a:srgbClr val="CCCCCC"/>
+                </a:solidFill>
+                <a:effectLst/>
+                <a:latin typeface="Cascadia Next SC" panose="020B0609020000020004" pitchFamily="49" charset="-120"/>
+                <a:ea typeface="Cascadia Next SC" panose="020B0609020000020004" pitchFamily="49" charset="-120"/>
+              </a:rPr>
+              <a:t>- Doesn't require modification of the app's source code.</a:t>
+            </a:r>
+          </a:p>
+          <a:p>
+            <a:pPr>
+              <a:lnSpc>
+                <a:spcPts val="1650"/>
+              </a:lnSpc>
+              <a:buNone/>
+            </a:pPr>
+            <a:r>
+              <a:rPr lang="en-US" altLang="zh-CN" b="0" dirty="0">
+                <a:solidFill>
+                  <a:srgbClr val="CCCCCC"/>
+                </a:solidFill>
+                <a:effectLst/>
+                <a:latin typeface="Cascadia Next SC" panose="020B0609020000020004" pitchFamily="49" charset="-120"/>
+                <a:ea typeface="Cascadia Next SC" panose="020B0609020000020004" pitchFamily="49" charset="-120"/>
+              </a:rPr>
+              <a:t>- Supports native, hybrid, and mobile web applications.</a:t>
+            </a:r>
+          </a:p>
+          <a:p>
+            <a:pPr>
+              <a:lnSpc>
+                <a:spcPts val="1650"/>
+              </a:lnSpc>
+              <a:buNone/>
+            </a:pPr>
+            <a:r>
+              <a:rPr lang="en-US" altLang="zh-CN" b="0" dirty="0">
+                <a:solidFill>
+                  <a:srgbClr val="CCCCCC"/>
+                </a:solidFill>
+                <a:effectLst/>
+                <a:latin typeface="Cascadia Next SC" panose="020B0609020000020004" pitchFamily="49" charset="-120"/>
+                <a:ea typeface="Cascadia Next SC" panose="020B0609020000020004" pitchFamily="49" charset="-120"/>
+              </a:rPr>
+              <a:t>- Works with frameworks like React Native, Xamarin, and Flutter.</a:t>
+            </a:r>
+          </a:p>
+          <a:p>
+            <a:pPr>
+              <a:lnSpc>
+                <a:spcPts val="1650"/>
+              </a:lnSpc>
+              <a:buNone/>
+            </a:pPr>
+            <a:r>
+              <a:rPr lang="en-US" altLang="zh-CN" b="0" dirty="0">
+                <a:solidFill>
+                  <a:srgbClr val="CCCCCC"/>
+                </a:solidFill>
+                <a:effectLst/>
+                <a:latin typeface="Cascadia Next SC" panose="020B0609020000020004" pitchFamily="49" charset="-120"/>
+                <a:ea typeface="Cascadia Next SC" panose="020B0609020000020004" pitchFamily="49" charset="-120"/>
+              </a:rPr>
+              <a:t>- Offers built-in tools (Appium Desktop, Appium Inspector).</a:t>
+            </a:r>
+          </a:p>
+          <a:p>
+            <a:pPr>
+              <a:lnSpc>
+                <a:spcPts val="1650"/>
+              </a:lnSpc>
+              <a:buNone/>
+            </a:pPr>
+            <a:br>
+              <a:rPr lang="en-US" altLang="zh-CN" b="0" dirty="0">
+                <a:solidFill>
+                  <a:srgbClr val="CCCCCC"/>
+                </a:solidFill>
+                <a:effectLst/>
+                <a:latin typeface="Cascadia Next SC" panose="020B0609020000020004" pitchFamily="49" charset="-120"/>
+                <a:ea typeface="Cascadia Next SC" panose="020B0609020000020004" pitchFamily="49" charset="-120"/>
+              </a:rPr>
+            </a:br>
+            <a:r>
+              <a:rPr lang="en-US" altLang="zh-CN" b="0" dirty="0">
+                <a:solidFill>
+                  <a:srgbClr val="CCCCCC"/>
+                </a:solidFill>
+                <a:effectLst/>
+                <a:latin typeface="Cascadia Next SC" panose="020B0609020000020004" pitchFamily="49" charset="-120"/>
+                <a:ea typeface="Cascadia Next SC" panose="020B0609020000020004" pitchFamily="49" charset="-120"/>
+              </a:rPr>
+              <a:t>Along with the pros, there are also some cons of using Appium:</a:t>
+            </a:r>
+          </a:p>
+          <a:p>
+            <a:pPr>
+              <a:lnSpc>
+                <a:spcPts val="1650"/>
+              </a:lnSpc>
+              <a:buNone/>
+            </a:pPr>
+            <a:br>
+              <a:rPr lang="en-US" altLang="zh-CN" b="0" dirty="0">
+                <a:solidFill>
+                  <a:srgbClr val="CCCCCC"/>
+                </a:solidFill>
+                <a:effectLst/>
+                <a:latin typeface="Cascadia Next SC" panose="020B0609020000020004" pitchFamily="49" charset="-120"/>
+                <a:ea typeface="Cascadia Next SC" panose="020B0609020000020004" pitchFamily="49" charset="-120"/>
+              </a:rPr>
+            </a:br>
+            <a:r>
+              <a:rPr lang="en-US" altLang="zh-CN" b="0" dirty="0">
+                <a:solidFill>
+                  <a:srgbClr val="CCCCCC"/>
+                </a:solidFill>
+                <a:effectLst/>
+                <a:latin typeface="Cascadia Next SC" panose="020B0609020000020004" pitchFamily="49" charset="-120"/>
+                <a:ea typeface="Cascadia Next SC" panose="020B0609020000020004" pitchFamily="49" charset="-120"/>
+              </a:rPr>
+              <a:t>- Slower test execution compared to native frameworks.</a:t>
+            </a:r>
+          </a:p>
+          <a:p>
+            <a:pPr>
+              <a:lnSpc>
+                <a:spcPts val="1650"/>
+              </a:lnSpc>
+              <a:buNone/>
+            </a:pPr>
+            <a:r>
+              <a:rPr lang="en-US" altLang="zh-CN" b="0" dirty="0">
+                <a:solidFill>
+                  <a:srgbClr val="CCCCCC"/>
+                </a:solidFill>
+                <a:effectLst/>
+                <a:latin typeface="Cascadia Next SC" panose="020B0609020000020004" pitchFamily="49" charset="-120"/>
+                <a:ea typeface="Cascadia Next SC" panose="020B0609020000020004" pitchFamily="49" charset="-120"/>
+              </a:rPr>
+              <a:t>- Requires a learning curve for beginners.</a:t>
+            </a:r>
+          </a:p>
+          <a:p>
+            <a:pPr>
+              <a:lnSpc>
+                <a:spcPts val="1650"/>
+              </a:lnSpc>
+            </a:pPr>
+            <a:r>
+              <a:rPr lang="en-US" altLang="zh-CN" b="0" dirty="0">
+                <a:solidFill>
+                  <a:srgbClr val="CCCCCC"/>
+                </a:solidFill>
+                <a:effectLst/>
+                <a:latin typeface="Cascadia Next SC" panose="020B0609020000020004" pitchFamily="49" charset="-120"/>
+                <a:ea typeface="Cascadia Next SC" panose="020B0609020000020004" pitchFamily="49" charset="-120"/>
+              </a:rPr>
+              <a:t>- Limited support for advanced gestures and animations.</a:t>
+            </a:r>
+          </a:p>
+        </p:txBody>
+      </p:sp>
     </p:spTree>
     <p:extLst>
       <p:ext uri="{BB962C8B-B14F-4D97-AF65-F5344CB8AC3E}">
-        <p14:creationId xmlns:p14="http://schemas.microsoft.com/office/powerpoint/2010/main" val="3656747099"/>
+        <p14:creationId xmlns:p14="http://schemas.microsoft.com/office/powerpoint/2010/main" val="2223432994"/>
       </p:ext>
     </p:extLst>
   </p:cSld>
@@ -9501,7 +9919,7 @@
           <p:cNvPr id="2" name="标题 1">
             <a:extLst>
               <a:ext uri="{FF2B5EF4-FFF2-40B4-BE49-F238E27FC236}">
-                <a16:creationId xmlns:a16="http://schemas.microsoft.com/office/drawing/2014/main" id="{4A0CD05A-49EA-4131-578F-61A0B2B4086E}"/>
+                <a16:creationId xmlns:a16="http://schemas.microsoft.com/office/drawing/2014/main" id="{8D860F6B-42E9-9F3D-3E5C-6492931320FE}"/>
               </a:ext>
             </a:extLst>
           </p:cNvPr>
@@ -9519,7 +9937,11 @@
           <a:p>
             <a:r>
               <a:rPr lang="en-US" altLang="zh-CN" dirty="0"/>
-              <a:t>VI. Conclusion</a:t>
+              <a:t>III. </a:t>
+            </a:r>
+            <a:r>
+              <a:rPr lang="en-US" altLang="zh-CN" dirty="0" err="1"/>
+              <a:t>NightwatchJS</a:t>
             </a:r>
             <a:endParaRPr lang="zh-CN" altLang="en-US" dirty="0"/>
           </a:p>
@@ -9530,7 +9952,7 @@
           <p:cNvPr id="3" name="页脚占位符 2">
             <a:extLst>
               <a:ext uri="{FF2B5EF4-FFF2-40B4-BE49-F238E27FC236}">
-                <a16:creationId xmlns:a16="http://schemas.microsoft.com/office/drawing/2014/main" id="{E680E45B-773E-5E62-4431-6788BF049F08}"/>
+                <a16:creationId xmlns:a16="http://schemas.microsoft.com/office/drawing/2014/main" id="{63C59E16-8580-4C62-315A-4438885277E9}"/>
               </a:ext>
             </a:extLst>
           </p:cNvPr>
@@ -9565,7 +9987,7 @@
           <p:cNvPr id="4" name="灯片编号占位符 3">
             <a:extLst>
               <a:ext uri="{FF2B5EF4-FFF2-40B4-BE49-F238E27FC236}">
-                <a16:creationId xmlns:a16="http://schemas.microsoft.com/office/drawing/2014/main" id="{063A5AF8-72CE-6090-1DFC-25C6A1A7B023}"/>
+                <a16:creationId xmlns:a16="http://schemas.microsoft.com/office/drawing/2014/main" id="{BE0A4410-54B8-51BC-D0F6-48AE9728E0B7}"/>
               </a:ext>
             </a:extLst>
           </p:cNvPr>
@@ -9589,10 +10011,126 @@
           </a:p>
         </p:txBody>
       </p:sp>
+      <p:sp>
+        <p:nvSpPr>
+          <p:cNvPr id="6" name="文本框 5">
+            <a:extLst>
+              <a:ext uri="{FF2B5EF4-FFF2-40B4-BE49-F238E27FC236}">
+                <a16:creationId xmlns:a16="http://schemas.microsoft.com/office/drawing/2014/main" id="{A11CAFCC-C6FB-7B67-4EF0-93692DEAE30B}"/>
+              </a:ext>
+            </a:extLst>
+          </p:cNvPr>
+          <p:cNvSpPr txBox="1"/>
+          <p:nvPr/>
+        </p:nvSpPr>
+        <p:spPr>
+          <a:xfrm>
+            <a:off x="812524" y="1343852"/>
+            <a:ext cx="6097656" cy="1400383"/>
+          </a:xfrm>
+          <a:prstGeom prst="rect">
+            <a:avLst/>
+          </a:prstGeom>
+          <a:noFill/>
+        </p:spPr>
+        <p:txBody>
+          <a:bodyPr wrap="square">
+            <a:spAutoFit/>
+          </a:bodyPr>
+          <a:lstStyle/>
+          <a:p>
+            <a:pPr>
+              <a:lnSpc>
+                <a:spcPts val="1650"/>
+              </a:lnSpc>
+            </a:pPr>
+            <a:r>
+              <a:rPr lang="en-US" altLang="zh-CN" b="0" dirty="0" err="1">
+                <a:solidFill>
+                  <a:srgbClr val="CCCCCC"/>
+                </a:solidFill>
+                <a:effectLst/>
+                <a:latin typeface="Cascadia Next SC" panose="020B0609020000020004" pitchFamily="49" charset="-120"/>
+                <a:ea typeface="Cascadia Next SC" panose="020B0609020000020004" pitchFamily="49" charset="-120"/>
+              </a:rPr>
+              <a:t>NightwatchJS</a:t>
+            </a:r>
+            <a:r>
+              <a:rPr lang="en-US" altLang="zh-CN" b="0" dirty="0">
+                <a:solidFill>
+                  <a:srgbClr val="CCCCCC"/>
+                </a:solidFill>
+                <a:effectLst/>
+                <a:latin typeface="Cascadia Next SC" panose="020B0609020000020004" pitchFamily="49" charset="-120"/>
+                <a:ea typeface="Cascadia Next SC" panose="020B0609020000020004" pitchFamily="49" charset="-120"/>
+              </a:rPr>
+              <a:t> is a Node.js based framework that is developed and maintained by </a:t>
+            </a:r>
+            <a:r>
+              <a:rPr lang="en-US" altLang="zh-CN" b="0" dirty="0" err="1">
+                <a:solidFill>
+                  <a:srgbClr val="CCCCCC"/>
+                </a:solidFill>
+                <a:effectLst/>
+                <a:latin typeface="Cascadia Next SC" panose="020B0609020000020004" pitchFamily="49" charset="-120"/>
+                <a:ea typeface="Cascadia Next SC" panose="020B0609020000020004" pitchFamily="49" charset="-120"/>
+              </a:rPr>
+              <a:t>BrowserStack</a:t>
+            </a:r>
+            <a:r>
+              <a:rPr lang="en-US" altLang="zh-CN" b="0" dirty="0">
+                <a:solidFill>
+                  <a:srgbClr val="CCCCCC"/>
+                </a:solidFill>
+                <a:effectLst/>
+                <a:latin typeface="Cascadia Next SC" panose="020B0609020000020004" pitchFamily="49" charset="-120"/>
+                <a:ea typeface="Cascadia Next SC" panose="020B0609020000020004" pitchFamily="49" charset="-120"/>
+              </a:rPr>
+              <a:t>. Nightwatch uses Appium under the hood to achieve mobile application automation on virtual simulators &amp; real devices. Nightwatch also takes care of the entire installation with just a single command.</a:t>
+            </a:r>
+          </a:p>
+        </p:txBody>
+      </p:sp>
+      <p:pic>
+        <p:nvPicPr>
+          <p:cNvPr id="8" name="图片 7">
+            <a:extLst>
+              <a:ext uri="{FF2B5EF4-FFF2-40B4-BE49-F238E27FC236}">
+                <a16:creationId xmlns:a16="http://schemas.microsoft.com/office/drawing/2014/main" id="{3DE6F2F6-F701-ECD4-F329-CF28CDBBED5D}"/>
+              </a:ext>
+            </a:extLst>
+          </p:cNvPr>
+          <p:cNvPicPr>
+            <a:picLocks noChangeAspect="1"/>
+          </p:cNvPicPr>
+          <p:nvPr/>
+        </p:nvPicPr>
+        <p:blipFill>
+          <a:blip r:embed="rId2">
+            <a:extLst>
+              <a:ext uri="{28A0092B-C50C-407E-A947-70E740481C1C}">
+                <a14:useLocalDpi xmlns:a14="http://schemas.microsoft.com/office/drawing/2010/main" val="0"/>
+              </a:ext>
+            </a:extLst>
+          </a:blip>
+          <a:stretch>
+            <a:fillRect/>
+          </a:stretch>
+        </p:blipFill>
+        <p:spPr>
+          <a:xfrm>
+            <a:off x="4794148" y="2748687"/>
+            <a:ext cx="7397852" cy="3865920"/>
+          </a:xfrm>
+          <a:prstGeom prst="rect">
+            <a:avLst/>
+          </a:prstGeom>
+        </p:spPr>
+      </p:pic>
     </p:spTree>
     <p:extLst>
       <p:ext uri="{BB962C8B-B14F-4D97-AF65-F5344CB8AC3E}">
-        <p14:creationId xmlns:p14="http://schemas.microsoft.com/office/powerpoint/2010/main" val="4264875411"/>
+        <p14:creationId xmlns:p14="http://schemas.microsoft.com/office/powerpoint/2010/main" val="1368081554"/>
       </p:ext>
     </p:extLst>
   </p:cSld>
@@ -9621,45 +10159,10 @@
       </p:grpSpPr>
       <p:sp>
         <p:nvSpPr>
-          <p:cNvPr id="3" name="页脚占位符 2">
-            <a:extLst>
-              <a:ext uri="{FF2B5EF4-FFF2-40B4-BE49-F238E27FC236}">
-                <a16:creationId xmlns:a16="http://schemas.microsoft.com/office/drawing/2014/main" id="{492EB84D-F457-766D-9DEB-1FECF0AAF8D2}"/>
-              </a:ext>
-            </a:extLst>
-          </p:cNvPr>
-          <p:cNvSpPr>
-            <a:spLocks noGrp="1"/>
-          </p:cNvSpPr>
-          <p:nvPr>
-            <p:ph type="ftr" sz="quarter" idx="11"/>
-          </p:nvPr>
-        </p:nvSpPr>
-        <p:spPr/>
-        <p:txBody>
-          <a:bodyPr/>
-          <a:lstStyle/>
-          <a:p>
-            <a:r>
-              <a:rPr lang="en-US" altLang="zh-CN"/>
-              <a:t>Wenzhou – Kean University</a:t>
-            </a:r>
-          </a:p>
-          <a:p>
-            <a:r>
-              <a:rPr lang="en-US" altLang="zh-CN"/>
-              <a:t>College of Science, Mathematics and Technology</a:t>
-            </a:r>
-            <a:endParaRPr lang="en-US" altLang="zh-CN" dirty="0"/>
-          </a:p>
-        </p:txBody>
-      </p:sp>
-      <p:sp>
-        <p:nvSpPr>
-          <p:cNvPr id="5" name="标题 4">
-            <a:extLst>
-              <a:ext uri="{FF2B5EF4-FFF2-40B4-BE49-F238E27FC236}">
-                <a16:creationId xmlns:a16="http://schemas.microsoft.com/office/drawing/2014/main" id="{09B24510-9BF4-F08D-84E5-E407F99B5763}"/>
+          <p:cNvPr id="2" name="标题 1">
+            <a:extLst>
+              <a:ext uri="{FF2B5EF4-FFF2-40B4-BE49-F238E27FC236}">
+                <a16:creationId xmlns:a16="http://schemas.microsoft.com/office/drawing/2014/main" id="{C7B0071A-7B7D-84DD-EBA3-445B668A0309}"/>
               </a:ext>
             </a:extLst>
           </p:cNvPr>
@@ -9670,30 +10173,21 @@
             <p:ph type="title"/>
           </p:nvPr>
         </p:nvSpPr>
-        <p:spPr>
-          <a:xfrm>
-            <a:off x="838200" y="3094228"/>
-            <a:ext cx="10515600" cy="669545"/>
-          </a:xfrm>
-        </p:spPr>
+        <p:spPr/>
         <p:txBody>
           <a:bodyPr/>
           <a:lstStyle/>
           <a:p>
-            <a:r>
-              <a:rPr lang="en-US" altLang="zh-CN" dirty="0"/>
-              <a:t>Thanks</a:t>
-            </a:r>
-            <a:endParaRPr lang="zh-CN" altLang="en-US" dirty="0"/>
-          </a:p>
-        </p:txBody>
-      </p:sp>
-      <p:sp>
-        <p:nvSpPr>
-          <p:cNvPr id="4" name="灯片编号占位符 3">
-            <a:extLst>
-              <a:ext uri="{FF2B5EF4-FFF2-40B4-BE49-F238E27FC236}">
-                <a16:creationId xmlns:a16="http://schemas.microsoft.com/office/drawing/2014/main" id="{68BDFE62-FE91-CC04-0799-207CADC3EFFE}"/>
+            <a:endParaRPr lang="zh-CN" altLang="en-US"/>
+          </a:p>
+        </p:txBody>
+      </p:sp>
+      <p:sp>
+        <p:nvSpPr>
+          <p:cNvPr id="3" name="页脚占位符 2">
+            <a:extLst>
+              <a:ext uri="{FF2B5EF4-FFF2-40B4-BE49-F238E27FC236}">
+                <a16:creationId xmlns:a16="http://schemas.microsoft.com/office/drawing/2014/main" id="{71CC9BC8-66B7-9888-3A96-A024766DDEF2}"/>
               </a:ext>
             </a:extLst>
           </p:cNvPr>
@@ -9701,15 +10195,45 @@
             <a:spLocks noGrp="1"/>
           </p:cNvSpPr>
           <p:nvPr>
-            <p:ph type="sldNum" sz="quarter" idx="4294967295"/>
+            <p:ph type="ftr" sz="quarter" idx="3"/>
           </p:nvPr>
         </p:nvSpPr>
-        <p:spPr>
-          <a:xfrm>
-            <a:off x="9448800" y="6481763"/>
-            <a:ext cx="2743200" cy="365125"/>
-          </a:xfrm>
-        </p:spPr>
+        <p:spPr/>
+        <p:txBody>
+          <a:bodyPr/>
+          <a:lstStyle/>
+          <a:p>
+            <a:r>
+              <a:rPr lang="en-US" altLang="zh-CN"/>
+              <a:t>Wenzhou – Kean University</a:t>
+            </a:r>
+          </a:p>
+          <a:p>
+            <a:r>
+              <a:rPr lang="en-US" altLang="zh-CN"/>
+              <a:t>College of Science, Mathematics and Technology</a:t>
+            </a:r>
+            <a:endParaRPr lang="en-US" altLang="zh-CN" dirty="0"/>
+          </a:p>
+        </p:txBody>
+      </p:sp>
+      <p:sp>
+        <p:nvSpPr>
+          <p:cNvPr id="4" name="灯片编号占位符 3">
+            <a:extLst>
+              <a:ext uri="{FF2B5EF4-FFF2-40B4-BE49-F238E27FC236}">
+                <a16:creationId xmlns:a16="http://schemas.microsoft.com/office/drawing/2014/main" id="{50088854-0287-2596-C76D-55A15B25BAEF}"/>
+              </a:ext>
+            </a:extLst>
+          </p:cNvPr>
+          <p:cNvSpPr>
+            <a:spLocks noGrp="1"/>
+          </p:cNvSpPr>
+          <p:nvPr>
+            <p:ph type="sldNum" sz="quarter" idx="4"/>
+          </p:nvPr>
+        </p:nvSpPr>
+        <p:spPr/>
         <p:txBody>
           <a:bodyPr/>
           <a:lstStyle/>
@@ -9722,10 +10246,1425 @@
           </a:p>
         </p:txBody>
       </p:sp>
+      <p:sp>
+        <p:nvSpPr>
+          <p:cNvPr id="6" name="文本框 5">
+            <a:extLst>
+              <a:ext uri="{FF2B5EF4-FFF2-40B4-BE49-F238E27FC236}">
+                <a16:creationId xmlns:a16="http://schemas.microsoft.com/office/drawing/2014/main" id="{04D27EFD-D604-6132-E364-D982B9F1DE55}"/>
+              </a:ext>
+            </a:extLst>
+          </p:cNvPr>
+          <p:cNvSpPr txBox="1"/>
+          <p:nvPr/>
+        </p:nvSpPr>
+        <p:spPr>
+          <a:xfrm>
+            <a:off x="3048828" y="1876653"/>
+            <a:ext cx="6097656" cy="3144451"/>
+          </a:xfrm>
+          <a:prstGeom prst="rect">
+            <a:avLst/>
+          </a:prstGeom>
+          <a:noFill/>
+        </p:spPr>
+        <p:txBody>
+          <a:bodyPr wrap="square">
+            <a:spAutoFit/>
+          </a:bodyPr>
+          <a:lstStyle/>
+          <a:p>
+            <a:pPr>
+              <a:lnSpc>
+                <a:spcPts val="1650"/>
+              </a:lnSpc>
+            </a:pPr>
+            <a:r>
+              <a:rPr lang="en-US" altLang="zh-CN" b="0" dirty="0" err="1">
+                <a:solidFill>
+                  <a:srgbClr val="CCCCCC"/>
+                </a:solidFill>
+                <a:effectLst/>
+                <a:latin typeface="Cascadia Next SC" panose="020B0609020000020004" pitchFamily="49" charset="-120"/>
+                <a:ea typeface="Cascadia Next SC" panose="020B0609020000020004" pitchFamily="49" charset="-120"/>
+              </a:rPr>
+              <a:t>NightwatchJS</a:t>
+            </a:r>
+            <a:r>
+              <a:rPr lang="en-US" altLang="zh-CN" b="0" dirty="0">
+                <a:solidFill>
+                  <a:srgbClr val="CCCCCC"/>
+                </a:solidFill>
+                <a:effectLst/>
+                <a:latin typeface="Cascadia Next SC" panose="020B0609020000020004" pitchFamily="49" charset="-120"/>
+                <a:ea typeface="Cascadia Next SC" panose="020B0609020000020004" pitchFamily="49" charset="-120"/>
+              </a:rPr>
+              <a:t> offers several key features that make it a powerful tool for mobile testing automation. It provides a streamlined setup process with one-command installation of all necessary SDKs and libraries. The framework comes with native Nightwatch commands and integrates seamlessly with Appium Inspector. One of its standout features is support for parallel test execution, enabling tests to run simultaneously across multiple browsers and devices to significantly reduce testing time. Additionally, Nightwatch.js is versatile in its testing capabilities, supporting both real devices and emulators/simulators for web-based mobile application testing.</a:t>
+            </a:r>
+          </a:p>
+        </p:txBody>
+      </p:sp>
     </p:spTree>
     <p:extLst>
       <p:ext uri="{BB962C8B-B14F-4D97-AF65-F5344CB8AC3E}">
-        <p14:creationId xmlns:p14="http://schemas.microsoft.com/office/powerpoint/2010/main" val="2246681676"/>
+        <p14:creationId xmlns:p14="http://schemas.microsoft.com/office/powerpoint/2010/main" val="2892277748"/>
+      </p:ext>
+    </p:extLst>
+  </p:cSld>
+  <p:clrMapOvr>
+    <a:masterClrMapping/>
+  </p:clrMapOvr>
+</p:sld>
+</file>
+
+<file path=ppt/slides/slide15.xml><?xml version="1.0" encoding="utf-8"?>
+<p:sld xmlns:a="http://schemas.openxmlformats.org/drawingml/2006/main" xmlns:r="http://schemas.openxmlformats.org/officeDocument/2006/relationships" xmlns:p="http://schemas.openxmlformats.org/presentationml/2006/main">
+  <p:cSld>
+    <p:spTree>
+      <p:nvGrpSpPr>
+        <p:cNvPr id="1" name=""/>
+        <p:cNvGrpSpPr/>
+        <p:nvPr/>
+      </p:nvGrpSpPr>
+      <p:grpSpPr>
+        <a:xfrm>
+          <a:off x="0" y="0"/>
+          <a:ext cx="0" cy="0"/>
+          <a:chOff x="0" y="0"/>
+          <a:chExt cx="0" cy="0"/>
+        </a:xfrm>
+      </p:grpSpPr>
+      <p:sp>
+        <p:nvSpPr>
+          <p:cNvPr id="2" name="标题 1">
+            <a:extLst>
+              <a:ext uri="{FF2B5EF4-FFF2-40B4-BE49-F238E27FC236}">
+                <a16:creationId xmlns:a16="http://schemas.microsoft.com/office/drawing/2014/main" id="{18295A1E-F749-A2A8-6A4F-A43852E492DC}"/>
+              </a:ext>
+            </a:extLst>
+          </p:cNvPr>
+          <p:cNvSpPr>
+            <a:spLocks noGrp="1"/>
+          </p:cNvSpPr>
+          <p:nvPr>
+            <p:ph type="title"/>
+          </p:nvPr>
+        </p:nvSpPr>
+        <p:spPr/>
+        <p:txBody>
+          <a:bodyPr/>
+          <a:lstStyle/>
+          <a:p>
+            <a:endParaRPr lang="zh-CN" altLang="en-US"/>
+          </a:p>
+        </p:txBody>
+      </p:sp>
+      <p:sp>
+        <p:nvSpPr>
+          <p:cNvPr id="3" name="页脚占位符 2">
+            <a:extLst>
+              <a:ext uri="{FF2B5EF4-FFF2-40B4-BE49-F238E27FC236}">
+                <a16:creationId xmlns:a16="http://schemas.microsoft.com/office/drawing/2014/main" id="{ED744776-BF7E-A850-DC02-83FC262853A8}"/>
+              </a:ext>
+            </a:extLst>
+          </p:cNvPr>
+          <p:cNvSpPr>
+            <a:spLocks noGrp="1"/>
+          </p:cNvSpPr>
+          <p:nvPr>
+            <p:ph type="ftr" sz="quarter" idx="3"/>
+          </p:nvPr>
+        </p:nvSpPr>
+        <p:spPr/>
+        <p:txBody>
+          <a:bodyPr/>
+          <a:lstStyle/>
+          <a:p>
+            <a:r>
+              <a:rPr lang="en-US" altLang="zh-CN"/>
+              <a:t>Wenzhou – Kean University</a:t>
+            </a:r>
+          </a:p>
+          <a:p>
+            <a:r>
+              <a:rPr lang="en-US" altLang="zh-CN"/>
+              <a:t>College of Science, Mathematics and Technology</a:t>
+            </a:r>
+            <a:endParaRPr lang="en-US" altLang="zh-CN" dirty="0"/>
+          </a:p>
+        </p:txBody>
+      </p:sp>
+      <p:sp>
+        <p:nvSpPr>
+          <p:cNvPr id="4" name="灯片编号占位符 3">
+            <a:extLst>
+              <a:ext uri="{FF2B5EF4-FFF2-40B4-BE49-F238E27FC236}">
+                <a16:creationId xmlns:a16="http://schemas.microsoft.com/office/drawing/2014/main" id="{668212D5-B095-EF51-CC8C-79F92717847D}"/>
+              </a:ext>
+            </a:extLst>
+          </p:cNvPr>
+          <p:cNvSpPr>
+            <a:spLocks noGrp="1"/>
+          </p:cNvSpPr>
+          <p:nvPr>
+            <p:ph type="sldNum" sz="quarter" idx="4"/>
+          </p:nvPr>
+        </p:nvSpPr>
+        <p:spPr/>
+        <p:txBody>
+          <a:bodyPr/>
+          <a:lstStyle/>
+          <a:p>
+            <a:fld id="{D5496141-EF9F-48D7-BC1D-782D37831BAB}" type="slidenum">
+              <a:rPr lang="zh-CN" altLang="en-US" smtClean="0"/>
+              <a:t>15</a:t>
+            </a:fld>
+            <a:endParaRPr lang="zh-CN" altLang="en-US"/>
+          </a:p>
+        </p:txBody>
+      </p:sp>
+      <p:sp>
+        <p:nvSpPr>
+          <p:cNvPr id="6" name="文本框 5">
+            <a:extLst>
+              <a:ext uri="{FF2B5EF4-FFF2-40B4-BE49-F238E27FC236}">
+                <a16:creationId xmlns:a16="http://schemas.microsoft.com/office/drawing/2014/main" id="{800E556E-600A-2434-4176-D7A86BDF38C8}"/>
+              </a:ext>
+            </a:extLst>
+          </p:cNvPr>
+          <p:cNvSpPr txBox="1"/>
+          <p:nvPr/>
+        </p:nvSpPr>
+        <p:spPr>
+          <a:xfrm>
+            <a:off x="3048828" y="1331632"/>
+            <a:ext cx="6097656" cy="4234493"/>
+          </a:xfrm>
+          <a:prstGeom prst="rect">
+            <a:avLst/>
+          </a:prstGeom>
+          <a:noFill/>
+        </p:spPr>
+        <p:txBody>
+          <a:bodyPr wrap="square">
+            <a:spAutoFit/>
+          </a:bodyPr>
+          <a:lstStyle/>
+          <a:p>
+            <a:pPr>
+              <a:lnSpc>
+                <a:spcPts val="1650"/>
+              </a:lnSpc>
+              <a:buNone/>
+            </a:pPr>
+            <a:r>
+              <a:rPr lang="en-US" altLang="zh-CN" b="0" dirty="0">
+                <a:solidFill>
+                  <a:srgbClr val="CCCCCC"/>
+                </a:solidFill>
+                <a:effectLst/>
+                <a:latin typeface="Cascadia Next SC" panose="020B0609020000020004" pitchFamily="49" charset="-120"/>
+                <a:ea typeface="Cascadia Next SC" panose="020B0609020000020004" pitchFamily="49" charset="-120"/>
+              </a:rPr>
+              <a:t>The following are the pros of using </a:t>
+            </a:r>
+            <a:r>
+              <a:rPr lang="en-US" altLang="zh-CN" b="0" dirty="0" err="1">
+                <a:solidFill>
+                  <a:srgbClr val="CCCCCC"/>
+                </a:solidFill>
+                <a:effectLst/>
+                <a:latin typeface="Cascadia Next SC" panose="020B0609020000020004" pitchFamily="49" charset="-120"/>
+                <a:ea typeface="Cascadia Next SC" panose="020B0609020000020004" pitchFamily="49" charset="-120"/>
+              </a:rPr>
+              <a:t>NightwatchJS</a:t>
+            </a:r>
+            <a:r>
+              <a:rPr lang="en-US" altLang="zh-CN" b="0" dirty="0">
+                <a:solidFill>
+                  <a:srgbClr val="CCCCCC"/>
+                </a:solidFill>
+                <a:effectLst/>
+                <a:latin typeface="Cascadia Next SC" panose="020B0609020000020004" pitchFamily="49" charset="-120"/>
+                <a:ea typeface="Cascadia Next SC" panose="020B0609020000020004" pitchFamily="49" charset="-120"/>
+              </a:rPr>
+              <a:t>:</a:t>
+            </a:r>
+          </a:p>
+          <a:p>
+            <a:pPr>
+              <a:lnSpc>
+                <a:spcPts val="1650"/>
+              </a:lnSpc>
+              <a:buNone/>
+            </a:pPr>
+            <a:br>
+              <a:rPr lang="en-US" altLang="zh-CN" b="0" dirty="0">
+                <a:solidFill>
+                  <a:srgbClr val="CCCCCC"/>
+                </a:solidFill>
+                <a:effectLst/>
+                <a:latin typeface="Cascadia Next SC" panose="020B0609020000020004" pitchFamily="49" charset="-120"/>
+                <a:ea typeface="Cascadia Next SC" panose="020B0609020000020004" pitchFamily="49" charset="-120"/>
+              </a:rPr>
+            </a:br>
+            <a:r>
+              <a:rPr lang="en-US" altLang="zh-CN" b="0" dirty="0">
+                <a:solidFill>
+                  <a:srgbClr val="CCCCCC"/>
+                </a:solidFill>
+                <a:effectLst/>
+                <a:latin typeface="Cascadia Next SC" panose="020B0609020000020004" pitchFamily="49" charset="-120"/>
+                <a:ea typeface="Cascadia Next SC" panose="020B0609020000020004" pitchFamily="49" charset="-120"/>
+              </a:rPr>
+              <a:t>- Easy setup with one-command installation.</a:t>
+            </a:r>
+          </a:p>
+          <a:p>
+            <a:pPr>
+              <a:lnSpc>
+                <a:spcPts val="1650"/>
+              </a:lnSpc>
+              <a:buNone/>
+            </a:pPr>
+            <a:r>
+              <a:rPr lang="en-US" altLang="zh-CN" b="0" dirty="0">
+                <a:solidFill>
+                  <a:srgbClr val="CCCCCC"/>
+                </a:solidFill>
+                <a:effectLst/>
+                <a:latin typeface="Cascadia Next SC" panose="020B0609020000020004" pitchFamily="49" charset="-120"/>
+                <a:ea typeface="Cascadia Next SC" panose="020B0609020000020004" pitchFamily="49" charset="-120"/>
+              </a:rPr>
+              <a:t>- Supports parallel test execution for faster test runs.</a:t>
+            </a:r>
+          </a:p>
+          <a:p>
+            <a:pPr>
+              <a:lnSpc>
+                <a:spcPts val="1650"/>
+              </a:lnSpc>
+              <a:buNone/>
+            </a:pPr>
+            <a:r>
+              <a:rPr lang="en-US" altLang="zh-CN" b="0" dirty="0">
+                <a:solidFill>
+                  <a:srgbClr val="CCCCCC"/>
+                </a:solidFill>
+                <a:effectLst/>
+                <a:latin typeface="Cascadia Next SC" panose="020B0609020000020004" pitchFamily="49" charset="-120"/>
+                <a:ea typeface="Cascadia Next SC" panose="020B0609020000020004" pitchFamily="49" charset="-120"/>
+              </a:rPr>
+              <a:t>- Works with real devices and emulators/simulators.</a:t>
+            </a:r>
+          </a:p>
+          <a:p>
+            <a:pPr>
+              <a:lnSpc>
+                <a:spcPts val="1650"/>
+              </a:lnSpc>
+              <a:buNone/>
+            </a:pPr>
+            <a:r>
+              <a:rPr lang="en-US" altLang="zh-CN" b="0" dirty="0">
+                <a:solidFill>
+                  <a:srgbClr val="CCCCCC"/>
+                </a:solidFill>
+                <a:effectLst/>
+                <a:latin typeface="Cascadia Next SC" panose="020B0609020000020004" pitchFamily="49" charset="-120"/>
+                <a:ea typeface="Cascadia Next SC" panose="020B0609020000020004" pitchFamily="49" charset="-120"/>
+              </a:rPr>
+              <a:t>- Integrates seamlessly with Appium and Appium Inspector.</a:t>
+            </a:r>
+          </a:p>
+          <a:p>
+            <a:pPr>
+              <a:lnSpc>
+                <a:spcPts val="1650"/>
+              </a:lnSpc>
+              <a:buNone/>
+            </a:pPr>
+            <a:r>
+              <a:rPr lang="en-US" altLang="zh-CN" b="0" dirty="0">
+                <a:solidFill>
+                  <a:srgbClr val="CCCCCC"/>
+                </a:solidFill>
+                <a:effectLst/>
+                <a:latin typeface="Cascadia Next SC" panose="020B0609020000020004" pitchFamily="49" charset="-120"/>
+                <a:ea typeface="Cascadia Next SC" panose="020B0609020000020004" pitchFamily="49" charset="-120"/>
+              </a:rPr>
+              <a:t>- Uses JavaScript, making it developer-friendly.</a:t>
+            </a:r>
+          </a:p>
+          <a:p>
+            <a:pPr>
+              <a:lnSpc>
+                <a:spcPts val="1650"/>
+              </a:lnSpc>
+              <a:buNone/>
+            </a:pPr>
+            <a:br>
+              <a:rPr lang="en-US" altLang="zh-CN" b="0" dirty="0">
+                <a:solidFill>
+                  <a:srgbClr val="CCCCCC"/>
+                </a:solidFill>
+                <a:effectLst/>
+                <a:latin typeface="Cascadia Next SC" panose="020B0609020000020004" pitchFamily="49" charset="-120"/>
+                <a:ea typeface="Cascadia Next SC" panose="020B0609020000020004" pitchFamily="49" charset="-120"/>
+              </a:rPr>
+            </a:br>
+            <a:r>
+              <a:rPr lang="en-US" altLang="zh-CN" b="0" dirty="0">
+                <a:solidFill>
+                  <a:srgbClr val="CCCCCC"/>
+                </a:solidFill>
+                <a:effectLst/>
+                <a:latin typeface="Cascadia Next SC" panose="020B0609020000020004" pitchFamily="49" charset="-120"/>
+                <a:ea typeface="Cascadia Next SC" panose="020B0609020000020004" pitchFamily="49" charset="-120"/>
+              </a:rPr>
+              <a:t>With the pros, there are also some cons of using </a:t>
+            </a:r>
+            <a:r>
+              <a:rPr lang="en-US" altLang="zh-CN" b="0" dirty="0" err="1">
+                <a:solidFill>
+                  <a:srgbClr val="CCCCCC"/>
+                </a:solidFill>
+                <a:effectLst/>
+                <a:latin typeface="Cascadia Next SC" panose="020B0609020000020004" pitchFamily="49" charset="-120"/>
+                <a:ea typeface="Cascadia Next SC" panose="020B0609020000020004" pitchFamily="49" charset="-120"/>
+              </a:rPr>
+              <a:t>NightwatchJS</a:t>
+            </a:r>
+            <a:r>
+              <a:rPr lang="en-US" altLang="zh-CN" b="0" dirty="0">
+                <a:solidFill>
+                  <a:srgbClr val="CCCCCC"/>
+                </a:solidFill>
+                <a:effectLst/>
+                <a:latin typeface="Cascadia Next SC" panose="020B0609020000020004" pitchFamily="49" charset="-120"/>
+                <a:ea typeface="Cascadia Next SC" panose="020B0609020000020004" pitchFamily="49" charset="-120"/>
+              </a:rPr>
+              <a:t>:</a:t>
+            </a:r>
+          </a:p>
+          <a:p>
+            <a:pPr>
+              <a:lnSpc>
+                <a:spcPts val="1650"/>
+              </a:lnSpc>
+              <a:buNone/>
+            </a:pPr>
+            <a:br>
+              <a:rPr lang="en-US" altLang="zh-CN" b="0" dirty="0">
+                <a:solidFill>
+                  <a:srgbClr val="CCCCCC"/>
+                </a:solidFill>
+                <a:effectLst/>
+                <a:latin typeface="Cascadia Next SC" panose="020B0609020000020004" pitchFamily="49" charset="-120"/>
+                <a:ea typeface="Cascadia Next SC" panose="020B0609020000020004" pitchFamily="49" charset="-120"/>
+              </a:rPr>
+            </a:br>
+            <a:r>
+              <a:rPr lang="en-US" altLang="zh-CN" b="0" dirty="0">
+                <a:solidFill>
+                  <a:srgbClr val="CCCCCC"/>
+                </a:solidFill>
+                <a:effectLst/>
+                <a:latin typeface="Cascadia Next SC" panose="020B0609020000020004" pitchFamily="49" charset="-120"/>
+                <a:ea typeface="Cascadia Next SC" panose="020B0609020000020004" pitchFamily="49" charset="-120"/>
+              </a:rPr>
+              <a:t>- Limited community support compared to Appium and Espresso.</a:t>
+            </a:r>
+          </a:p>
+          <a:p>
+            <a:pPr>
+              <a:lnSpc>
+                <a:spcPts val="1650"/>
+              </a:lnSpc>
+              <a:buNone/>
+            </a:pPr>
+            <a:r>
+              <a:rPr lang="en-US" altLang="zh-CN" b="0" dirty="0">
+                <a:solidFill>
+                  <a:srgbClr val="CCCCCC"/>
+                </a:solidFill>
+                <a:effectLst/>
+                <a:latin typeface="Cascadia Next SC" panose="020B0609020000020004" pitchFamily="49" charset="-120"/>
+                <a:ea typeface="Cascadia Next SC" panose="020B0609020000020004" pitchFamily="49" charset="-120"/>
+              </a:rPr>
+              <a:t>- Requires Node.js, which may not suit all development teams.</a:t>
+            </a:r>
+          </a:p>
+          <a:p>
+            <a:pPr>
+              <a:lnSpc>
+                <a:spcPts val="1650"/>
+              </a:lnSpc>
+            </a:pPr>
+            <a:r>
+              <a:rPr lang="en-US" altLang="zh-CN" b="0" dirty="0">
+                <a:solidFill>
+                  <a:srgbClr val="CCCCCC"/>
+                </a:solidFill>
+                <a:effectLst/>
+                <a:latin typeface="Cascadia Next SC" panose="020B0609020000020004" pitchFamily="49" charset="-120"/>
+                <a:ea typeface="Cascadia Next SC" panose="020B0609020000020004" pitchFamily="49" charset="-120"/>
+              </a:rPr>
+              <a:t>- Best suited for web-based mobile apps rather than native apps.</a:t>
+            </a:r>
+          </a:p>
+        </p:txBody>
+      </p:sp>
+    </p:spTree>
+    <p:extLst>
+      <p:ext uri="{BB962C8B-B14F-4D97-AF65-F5344CB8AC3E}">
+        <p14:creationId xmlns:p14="http://schemas.microsoft.com/office/powerpoint/2010/main" val="1754965551"/>
+      </p:ext>
+    </p:extLst>
+  </p:cSld>
+  <p:clrMapOvr>
+    <a:masterClrMapping/>
+  </p:clrMapOvr>
+</p:sld>
+</file>
+
+<file path=ppt/slides/slide16.xml><?xml version="1.0" encoding="utf-8"?>
+<p:sld xmlns:a="http://schemas.openxmlformats.org/drawingml/2006/main" xmlns:r="http://schemas.openxmlformats.org/officeDocument/2006/relationships" xmlns:p="http://schemas.openxmlformats.org/presentationml/2006/main">
+  <p:cSld>
+    <p:spTree>
+      <p:nvGrpSpPr>
+        <p:cNvPr id="1" name=""/>
+        <p:cNvGrpSpPr/>
+        <p:nvPr/>
+      </p:nvGrpSpPr>
+      <p:grpSpPr>
+        <a:xfrm>
+          <a:off x="0" y="0"/>
+          <a:ext cx="0" cy="0"/>
+          <a:chOff x="0" y="0"/>
+          <a:chExt cx="0" cy="0"/>
+        </a:xfrm>
+      </p:grpSpPr>
+      <p:sp>
+        <p:nvSpPr>
+          <p:cNvPr id="2" name="标题 1">
+            <a:extLst>
+              <a:ext uri="{FF2B5EF4-FFF2-40B4-BE49-F238E27FC236}">
+                <a16:creationId xmlns:a16="http://schemas.microsoft.com/office/drawing/2014/main" id="{FD875CD1-C89D-7AA2-504F-2EAF852A21DD}"/>
+              </a:ext>
+            </a:extLst>
+          </p:cNvPr>
+          <p:cNvSpPr>
+            <a:spLocks noGrp="1"/>
+          </p:cNvSpPr>
+          <p:nvPr>
+            <p:ph type="title"/>
+          </p:nvPr>
+        </p:nvSpPr>
+        <p:spPr>
+          <a:xfrm>
+            <a:off x="152400" y="180216"/>
+            <a:ext cx="8362122" cy="425752"/>
+          </a:xfrm>
+        </p:spPr>
+        <p:txBody>
+          <a:bodyPr/>
+          <a:lstStyle/>
+          <a:p>
+            <a:r>
+              <a:rPr lang="en-US" altLang="zh-CN" dirty="0"/>
+              <a:t>IV. </a:t>
+            </a:r>
+            <a:r>
+              <a:rPr lang="en-US" altLang="zh-CN" sz="3200" b="1" dirty="0"/>
+              <a:t>Challenge of Mobile Testing Automation</a:t>
+            </a:r>
+            <a:endParaRPr lang="zh-CN" altLang="en-US" dirty="0"/>
+          </a:p>
+        </p:txBody>
+      </p:sp>
+      <p:sp>
+        <p:nvSpPr>
+          <p:cNvPr id="3" name="页脚占位符 2">
+            <a:extLst>
+              <a:ext uri="{FF2B5EF4-FFF2-40B4-BE49-F238E27FC236}">
+                <a16:creationId xmlns:a16="http://schemas.microsoft.com/office/drawing/2014/main" id="{3D5F3CAC-E0AF-9E80-B3C9-544E0A92ECC3}"/>
+              </a:ext>
+            </a:extLst>
+          </p:cNvPr>
+          <p:cNvSpPr>
+            <a:spLocks noGrp="1"/>
+          </p:cNvSpPr>
+          <p:nvPr>
+            <p:ph type="ftr" sz="quarter" idx="3"/>
+          </p:nvPr>
+        </p:nvSpPr>
+        <p:spPr/>
+        <p:txBody>
+          <a:bodyPr/>
+          <a:lstStyle/>
+          <a:p>
+            <a:r>
+              <a:rPr lang="en-US" altLang="zh-CN"/>
+              <a:t>Wenzhou – Kean University</a:t>
+            </a:r>
+          </a:p>
+          <a:p>
+            <a:r>
+              <a:rPr lang="en-US" altLang="zh-CN"/>
+              <a:t>College of Science, Mathematics and Technology</a:t>
+            </a:r>
+            <a:endParaRPr lang="en-US" altLang="zh-CN" dirty="0"/>
+          </a:p>
+        </p:txBody>
+      </p:sp>
+      <p:sp>
+        <p:nvSpPr>
+          <p:cNvPr id="4" name="灯片编号占位符 3">
+            <a:extLst>
+              <a:ext uri="{FF2B5EF4-FFF2-40B4-BE49-F238E27FC236}">
+                <a16:creationId xmlns:a16="http://schemas.microsoft.com/office/drawing/2014/main" id="{6E97D17B-5F46-B752-DEC0-6F4DEE8D84AC}"/>
+              </a:ext>
+            </a:extLst>
+          </p:cNvPr>
+          <p:cNvSpPr>
+            <a:spLocks noGrp="1"/>
+          </p:cNvSpPr>
+          <p:nvPr>
+            <p:ph type="sldNum" sz="quarter" idx="4"/>
+          </p:nvPr>
+        </p:nvSpPr>
+        <p:spPr/>
+        <p:txBody>
+          <a:bodyPr/>
+          <a:lstStyle/>
+          <a:p>
+            <a:fld id="{D5496141-EF9F-48D7-BC1D-782D37831BAB}" type="slidenum">
+              <a:rPr lang="zh-CN" altLang="en-US" smtClean="0"/>
+              <a:t>16</a:t>
+            </a:fld>
+            <a:endParaRPr lang="zh-CN" altLang="en-US"/>
+          </a:p>
+        </p:txBody>
+      </p:sp>
+      <p:sp>
+        <p:nvSpPr>
+          <p:cNvPr id="6" name="文本框 5">
+            <a:extLst>
+              <a:ext uri="{FF2B5EF4-FFF2-40B4-BE49-F238E27FC236}">
+                <a16:creationId xmlns:a16="http://schemas.microsoft.com/office/drawing/2014/main" id="{3441364B-986A-9AD5-B71C-E0BE19125244}"/>
+              </a:ext>
+            </a:extLst>
+          </p:cNvPr>
+          <p:cNvSpPr txBox="1"/>
+          <p:nvPr/>
+        </p:nvSpPr>
+        <p:spPr>
+          <a:xfrm>
+            <a:off x="152400" y="1768301"/>
+            <a:ext cx="6097656" cy="3798476"/>
+          </a:xfrm>
+          <a:prstGeom prst="rect">
+            <a:avLst/>
+          </a:prstGeom>
+          <a:noFill/>
+        </p:spPr>
+        <p:txBody>
+          <a:bodyPr wrap="square">
+            <a:spAutoFit/>
+          </a:bodyPr>
+          <a:lstStyle/>
+          <a:p>
+            <a:pPr>
+              <a:lnSpc>
+                <a:spcPts val="1650"/>
+              </a:lnSpc>
+            </a:pPr>
+            <a:r>
+              <a:rPr lang="en-US" altLang="zh-CN" b="0" dirty="0">
+                <a:solidFill>
+                  <a:srgbClr val="CCCCCC"/>
+                </a:solidFill>
+                <a:effectLst/>
+                <a:latin typeface="Cascadia Next SC" panose="020B0609020000020004" pitchFamily="49" charset="-120"/>
+                <a:ea typeface="Cascadia Next SC" panose="020B0609020000020004" pitchFamily="49" charset="-120"/>
+              </a:rPr>
+              <a:t>As the techniques are developing rapidly in the field of mobile testing automation, the situation of testing remains challenging. Several significant issues, due to the fragmented nature of devices, operating systems, and testing environments, needed to be solved desperately. One major issue is the diversity of devices and platforms, such as iOS, Android, and others, each with varying hardware specifications, screen sizes, and OS versions. This fragmentation necessitates testing across numerous combinations to ensure compatibility, which is both time-consuming and resource-intensive. Additionally, automation scripts must be maintained and updated frequently to accommodate app updates and new features, requiring robust frameworks that can handle regression testing without introducing errors.</a:t>
+            </a:r>
+          </a:p>
+        </p:txBody>
+      </p:sp>
+      <p:sp>
+        <p:nvSpPr>
+          <p:cNvPr id="8" name="文本框 7">
+            <a:extLst>
+              <a:ext uri="{FF2B5EF4-FFF2-40B4-BE49-F238E27FC236}">
+                <a16:creationId xmlns:a16="http://schemas.microsoft.com/office/drawing/2014/main" id="{1C754768-54B3-8145-865C-F06AA6C7DDAE}"/>
+              </a:ext>
+            </a:extLst>
+          </p:cNvPr>
+          <p:cNvSpPr txBox="1"/>
+          <p:nvPr/>
+        </p:nvSpPr>
+        <p:spPr>
+          <a:xfrm>
+            <a:off x="6096000" y="1986309"/>
+            <a:ext cx="6097656" cy="3362459"/>
+          </a:xfrm>
+          <a:prstGeom prst="rect">
+            <a:avLst/>
+          </a:prstGeom>
+          <a:noFill/>
+        </p:spPr>
+        <p:txBody>
+          <a:bodyPr wrap="square">
+            <a:spAutoFit/>
+          </a:bodyPr>
+          <a:lstStyle/>
+          <a:p>
+            <a:pPr>
+              <a:lnSpc>
+                <a:spcPts val="1650"/>
+              </a:lnSpc>
+            </a:pPr>
+            <a:r>
+              <a:rPr lang="en-US" altLang="zh-CN" b="0" dirty="0">
+                <a:solidFill>
+                  <a:srgbClr val="CCCCCC"/>
+                </a:solidFill>
+                <a:effectLst/>
+                <a:latin typeface="Cascadia Next SC" panose="020B0609020000020004" pitchFamily="49" charset="-120"/>
+                <a:ea typeface="Cascadia Next SC" panose="020B0609020000020004" pitchFamily="49" charset="-120"/>
+              </a:rPr>
+              <a:t>Another critical challenge is the reliance on both emulators and real devices. While emulators are cost-effective, they often fail to replicate real-world conditions, such as processor limitations, network variability, and user interactions, leading to gaps in test coverage. Furthermore, distributed testing across different geographical locations introduces complexities, including time zone differences, network latency, and local carrier-specific issues, which can affect app performance and user experience. The tools mentioned above help mitigate some of these issues, but challenges like script maintenance, cross-platform compatibility, and accurate crash reporting persist, requiring continuous innovation in testing methodologies.</a:t>
+            </a:r>
+          </a:p>
+        </p:txBody>
+      </p:sp>
+    </p:spTree>
+    <p:extLst>
+      <p:ext uri="{BB962C8B-B14F-4D97-AF65-F5344CB8AC3E}">
+        <p14:creationId xmlns:p14="http://schemas.microsoft.com/office/powerpoint/2010/main" val="4143516298"/>
+      </p:ext>
+    </p:extLst>
+  </p:cSld>
+  <p:clrMapOvr>
+    <a:masterClrMapping/>
+  </p:clrMapOvr>
+</p:sld>
+</file>
+
+<file path=ppt/slides/slide17.xml><?xml version="1.0" encoding="utf-8"?>
+<p:sld xmlns:a="http://schemas.openxmlformats.org/drawingml/2006/main" xmlns:r="http://schemas.openxmlformats.org/officeDocument/2006/relationships" xmlns:p="http://schemas.openxmlformats.org/presentationml/2006/main">
+  <p:cSld>
+    <p:spTree>
+      <p:nvGrpSpPr>
+        <p:cNvPr id="1" name=""/>
+        <p:cNvGrpSpPr/>
+        <p:nvPr/>
+      </p:nvGrpSpPr>
+      <p:grpSpPr>
+        <a:xfrm>
+          <a:off x="0" y="0"/>
+          <a:ext cx="0" cy="0"/>
+          <a:chOff x="0" y="0"/>
+          <a:chExt cx="0" cy="0"/>
+        </a:xfrm>
+      </p:grpSpPr>
+      <p:sp>
+        <p:nvSpPr>
+          <p:cNvPr id="2" name="标题 1">
+            <a:extLst>
+              <a:ext uri="{FF2B5EF4-FFF2-40B4-BE49-F238E27FC236}">
+                <a16:creationId xmlns:a16="http://schemas.microsoft.com/office/drawing/2014/main" id="{A8791FBF-B056-8A7D-A203-FAA707844F7A}"/>
+              </a:ext>
+            </a:extLst>
+          </p:cNvPr>
+          <p:cNvSpPr>
+            <a:spLocks noGrp="1"/>
+          </p:cNvSpPr>
+          <p:nvPr>
+            <p:ph type="title"/>
+          </p:nvPr>
+        </p:nvSpPr>
+        <p:spPr/>
+        <p:txBody>
+          <a:bodyPr/>
+          <a:lstStyle/>
+          <a:p>
+            <a:endParaRPr lang="zh-CN" altLang="en-US"/>
+          </a:p>
+        </p:txBody>
+      </p:sp>
+      <p:sp>
+        <p:nvSpPr>
+          <p:cNvPr id="3" name="页脚占位符 2">
+            <a:extLst>
+              <a:ext uri="{FF2B5EF4-FFF2-40B4-BE49-F238E27FC236}">
+                <a16:creationId xmlns:a16="http://schemas.microsoft.com/office/drawing/2014/main" id="{2CABCEC1-B38D-2FDE-A7DC-C5D8B6D3A059}"/>
+              </a:ext>
+            </a:extLst>
+          </p:cNvPr>
+          <p:cNvSpPr>
+            <a:spLocks noGrp="1"/>
+          </p:cNvSpPr>
+          <p:nvPr>
+            <p:ph type="ftr" sz="quarter" idx="3"/>
+          </p:nvPr>
+        </p:nvSpPr>
+        <p:spPr/>
+        <p:txBody>
+          <a:bodyPr/>
+          <a:lstStyle/>
+          <a:p>
+            <a:r>
+              <a:rPr lang="en-US" altLang="zh-CN"/>
+              <a:t>Wenzhou – Kean University</a:t>
+            </a:r>
+          </a:p>
+          <a:p>
+            <a:r>
+              <a:rPr lang="en-US" altLang="zh-CN"/>
+              <a:t>College of Science, Mathematics and Technology</a:t>
+            </a:r>
+            <a:endParaRPr lang="en-US" altLang="zh-CN" dirty="0"/>
+          </a:p>
+        </p:txBody>
+      </p:sp>
+      <p:sp>
+        <p:nvSpPr>
+          <p:cNvPr id="4" name="灯片编号占位符 3">
+            <a:extLst>
+              <a:ext uri="{FF2B5EF4-FFF2-40B4-BE49-F238E27FC236}">
+                <a16:creationId xmlns:a16="http://schemas.microsoft.com/office/drawing/2014/main" id="{45E82540-CF93-AFDD-1BB2-FD0E96E12436}"/>
+              </a:ext>
+            </a:extLst>
+          </p:cNvPr>
+          <p:cNvSpPr>
+            <a:spLocks noGrp="1"/>
+          </p:cNvSpPr>
+          <p:nvPr>
+            <p:ph type="sldNum" sz="quarter" idx="4"/>
+          </p:nvPr>
+        </p:nvSpPr>
+        <p:spPr/>
+        <p:txBody>
+          <a:bodyPr/>
+          <a:lstStyle/>
+          <a:p>
+            <a:fld id="{D5496141-EF9F-48D7-BC1D-782D37831BAB}" type="slidenum">
+              <a:rPr lang="zh-CN" altLang="en-US" smtClean="0"/>
+              <a:t>17</a:t>
+            </a:fld>
+            <a:endParaRPr lang="zh-CN" altLang="en-US"/>
+          </a:p>
+        </p:txBody>
+      </p:sp>
+      <p:sp>
+        <p:nvSpPr>
+          <p:cNvPr id="6" name="文本框 5">
+            <a:extLst>
+              <a:ext uri="{FF2B5EF4-FFF2-40B4-BE49-F238E27FC236}">
+                <a16:creationId xmlns:a16="http://schemas.microsoft.com/office/drawing/2014/main" id="{1EFA0CA0-5E7D-058F-C70C-CC7E2734A4A3}"/>
+              </a:ext>
+            </a:extLst>
+          </p:cNvPr>
+          <p:cNvSpPr txBox="1"/>
+          <p:nvPr/>
+        </p:nvSpPr>
+        <p:spPr>
+          <a:xfrm>
+            <a:off x="659296" y="881493"/>
+            <a:ext cx="10873408" cy="5324535"/>
+          </a:xfrm>
+          <a:prstGeom prst="rect">
+            <a:avLst/>
+          </a:prstGeom>
+          <a:noFill/>
+        </p:spPr>
+        <p:txBody>
+          <a:bodyPr wrap="square">
+            <a:spAutoFit/>
+          </a:bodyPr>
+          <a:lstStyle/>
+          <a:p>
+            <a:pPr>
+              <a:lnSpc>
+                <a:spcPts val="1650"/>
+              </a:lnSpc>
+              <a:buNone/>
+            </a:pPr>
+            <a:r>
+              <a:rPr lang="en-US" altLang="zh-CN" b="0" dirty="0">
+                <a:solidFill>
+                  <a:srgbClr val="CCCCCC"/>
+                </a:solidFill>
+                <a:effectLst/>
+                <a:latin typeface="Cascadia Next SC" panose="020B0609020000020004" pitchFamily="49" charset="-120"/>
+                <a:ea typeface="Cascadia Next SC" panose="020B0609020000020004" pitchFamily="49" charset="-120"/>
+              </a:rPr>
+              <a:t>- Application downloadable: The application must be available for the specific platform, typically through an app store.</a:t>
+            </a:r>
+          </a:p>
+          <a:p>
+            <a:pPr>
+              <a:lnSpc>
+                <a:spcPts val="1650"/>
+              </a:lnSpc>
+              <a:buNone/>
+            </a:pPr>
+            <a:r>
+              <a:rPr lang="en-US" altLang="zh-CN" b="0" dirty="0">
+                <a:solidFill>
+                  <a:srgbClr val="CCCCCC"/>
+                </a:solidFill>
+                <a:effectLst/>
+                <a:latin typeface="Cascadia Next SC" panose="020B0609020000020004" pitchFamily="49" charset="-120"/>
+                <a:ea typeface="Cascadia Next SC" panose="020B0609020000020004" pitchFamily="49" charset="-120"/>
+              </a:rPr>
+              <a:t>- Diversity in mobile platforms/OSes: The market includes several mobile operating systems, primarily Android, iOS, and Windows Phone. Each operating system has distinct limitations.</a:t>
+            </a:r>
+          </a:p>
+          <a:p>
+            <a:pPr>
+              <a:lnSpc>
+                <a:spcPts val="1650"/>
+              </a:lnSpc>
+              <a:buNone/>
+            </a:pPr>
+            <a:r>
+              <a:rPr lang="en-US" altLang="zh-CN" b="0" dirty="0">
+                <a:solidFill>
+                  <a:srgbClr val="CCCCCC"/>
+                </a:solidFill>
+                <a:effectLst/>
+                <a:latin typeface="Cascadia Next SC" panose="020B0609020000020004" pitchFamily="49" charset="-120"/>
+                <a:ea typeface="Cascadia Next SC" panose="020B0609020000020004" pitchFamily="49" charset="-120"/>
+              </a:rPr>
+              <a:t>- Device availability: With an ever-growing variety of devices and operating system versions, accessing the right test devices is a persistent mobile application testing challenge. This becomes more complex when testing teams are geographically distributed.</a:t>
+            </a:r>
+          </a:p>
+          <a:p>
+            <a:pPr>
+              <a:lnSpc>
+                <a:spcPts val="1650"/>
+              </a:lnSpc>
+              <a:buNone/>
+            </a:pPr>
+            <a:r>
+              <a:rPr lang="en-US" altLang="zh-CN" b="0" dirty="0">
+                <a:solidFill>
+                  <a:srgbClr val="CCCCCC"/>
+                </a:solidFill>
+                <a:effectLst/>
+                <a:latin typeface="Cascadia Next SC" panose="020B0609020000020004" pitchFamily="49" charset="-120"/>
+                <a:ea typeface="Cascadia Next SC" panose="020B0609020000020004" pitchFamily="49" charset="-120"/>
+              </a:rPr>
+              <a:t>- Mobile network operators: Over 400 mobile network operators worldwide use different standards, including CDMA, GSM, FOMA, and TD-SCDMA.</a:t>
+            </a:r>
+          </a:p>
+          <a:p>
+            <a:pPr>
+              <a:lnSpc>
+                <a:spcPts val="1650"/>
+              </a:lnSpc>
+              <a:buNone/>
+            </a:pPr>
+            <a:r>
+              <a:rPr lang="en-US" altLang="zh-CN" b="0" dirty="0">
+                <a:solidFill>
+                  <a:srgbClr val="CCCCCC"/>
+                </a:solidFill>
+                <a:effectLst/>
+                <a:latin typeface="Cascadia Next SC" panose="020B0609020000020004" pitchFamily="49" charset="-120"/>
+                <a:ea typeface="Cascadia Next SC" panose="020B0609020000020004" pitchFamily="49" charset="-120"/>
+              </a:rPr>
+              <a:t>- Scripting: Device diversity complicates test script execution. Since devices vary in keystrokes, input methods, menu structures, and display properties, a single script rarely works across all devices.</a:t>
+            </a:r>
+          </a:p>
+          <a:p>
+            <a:pPr>
+              <a:lnSpc>
+                <a:spcPts val="1650"/>
+              </a:lnSpc>
+              <a:buNone/>
+            </a:pPr>
+            <a:r>
+              <a:rPr lang="en-US" altLang="zh-CN" b="0" dirty="0">
+                <a:solidFill>
+                  <a:srgbClr val="CCCCCC"/>
+                </a:solidFill>
+                <a:effectLst/>
+                <a:latin typeface="Cascadia Next SC" panose="020B0609020000020004" pitchFamily="49" charset="-120"/>
+                <a:ea typeface="Cascadia Next SC" panose="020B0609020000020004" pitchFamily="49" charset="-120"/>
+              </a:rPr>
+              <a:t>- Test method: Mobile applications can be tested on either real devices or emulators. While emulators are convenient, they may miss issues that only real devices can detect. However, testing on real devices is costly and time-consuming due to the wide variety of devices available.</a:t>
+            </a:r>
+          </a:p>
+          <a:p>
+            <a:pPr>
+              <a:lnSpc>
+                <a:spcPts val="1650"/>
+              </a:lnSpc>
+              <a:buNone/>
+            </a:pPr>
+            <a:r>
+              <a:rPr lang="en-US" altLang="zh-CN" b="0" dirty="0">
+                <a:solidFill>
+                  <a:srgbClr val="CCCCCC"/>
+                </a:solidFill>
+                <a:effectLst/>
+                <a:latin typeface="Cascadia Next SC" panose="020B0609020000020004" pitchFamily="49" charset="-120"/>
+                <a:ea typeface="Cascadia Next SC" panose="020B0609020000020004" pitchFamily="49" charset="-120"/>
+              </a:rPr>
+              <a:t>- Compatibility: Applications must maintain compatibility across various device properties, including different screen sizes and resolutions.</a:t>
+            </a:r>
+          </a:p>
+          <a:p>
+            <a:pPr>
+              <a:lnSpc>
+                <a:spcPts val="1650"/>
+              </a:lnSpc>
+              <a:buNone/>
+            </a:pPr>
+            <a:r>
+              <a:rPr lang="en-US" altLang="zh-CN" b="0" dirty="0">
+                <a:solidFill>
+                  <a:srgbClr val="CCCCCC"/>
+                </a:solidFill>
+                <a:effectLst/>
+                <a:latin typeface="Cascadia Next SC" panose="020B0609020000020004" pitchFamily="49" charset="-120"/>
+                <a:ea typeface="Cascadia Next SC" panose="020B0609020000020004" pitchFamily="49" charset="-120"/>
+              </a:rPr>
+              <a:t>- Phone functionality: Applications must handle incoming calls appropriately during execution.</a:t>
+            </a:r>
+          </a:p>
+          <a:p>
+            <a:pPr>
+              <a:lnSpc>
+                <a:spcPts val="1650"/>
+              </a:lnSpc>
+              <a:buNone/>
+            </a:pPr>
+            <a:r>
+              <a:rPr lang="en-US" altLang="zh-CN" b="0" dirty="0">
+                <a:solidFill>
+                  <a:srgbClr val="CCCCCC"/>
+                </a:solidFill>
+                <a:effectLst/>
+                <a:latin typeface="Cascadia Next SC" panose="020B0609020000020004" pitchFamily="49" charset="-120"/>
+                <a:ea typeface="Cascadia Next SC" panose="020B0609020000020004" pitchFamily="49" charset="-120"/>
+              </a:rPr>
+              <a:t>- Device diversity: Mobile devices feature various input methods (QWERTY, touch, standard) and different hardware capabilities.</a:t>
+            </a:r>
+          </a:p>
+          <a:p>
+            <a:pPr>
+              <a:lnSpc>
+                <a:spcPts val="1650"/>
+              </a:lnSpc>
+            </a:pPr>
+            <a:r>
+              <a:rPr lang="en-US" altLang="zh-CN" b="0" dirty="0">
+                <a:solidFill>
+                  <a:srgbClr val="CCCCCC"/>
+                </a:solidFill>
+                <a:effectLst/>
+                <a:latin typeface="Cascadia Next SC" panose="020B0609020000020004" pitchFamily="49" charset="-120"/>
+                <a:ea typeface="Cascadia Next SC" panose="020B0609020000020004" pitchFamily="49" charset="-120"/>
+              </a:rPr>
+              <a:t>- Load testing limitations: Engineers often lack sufficient hardware resources to create comprehensive user scenarios for performance testing of mobile applications.</a:t>
+            </a:r>
+          </a:p>
+        </p:txBody>
+      </p:sp>
+    </p:spTree>
+    <p:extLst>
+      <p:ext uri="{BB962C8B-B14F-4D97-AF65-F5344CB8AC3E}">
+        <p14:creationId xmlns:p14="http://schemas.microsoft.com/office/powerpoint/2010/main" val="2287686493"/>
+      </p:ext>
+    </p:extLst>
+  </p:cSld>
+  <p:clrMapOvr>
+    <a:masterClrMapping/>
+  </p:clrMapOvr>
+</p:sld>
+</file>
+
+<file path=ppt/slides/slide18.xml><?xml version="1.0" encoding="utf-8"?>
+<p:sld xmlns:a="http://schemas.openxmlformats.org/drawingml/2006/main" xmlns:r="http://schemas.openxmlformats.org/officeDocument/2006/relationships" xmlns:p="http://schemas.openxmlformats.org/presentationml/2006/main">
+  <p:cSld>
+    <p:spTree>
+      <p:nvGrpSpPr>
+        <p:cNvPr id="1" name=""/>
+        <p:cNvGrpSpPr/>
+        <p:nvPr/>
+      </p:nvGrpSpPr>
+      <p:grpSpPr>
+        <a:xfrm>
+          <a:off x="0" y="0"/>
+          <a:ext cx="0" cy="0"/>
+          <a:chOff x="0" y="0"/>
+          <a:chExt cx="0" cy="0"/>
+        </a:xfrm>
+      </p:grpSpPr>
+      <p:sp>
+        <p:nvSpPr>
+          <p:cNvPr id="2" name="标题 1">
+            <a:extLst>
+              <a:ext uri="{FF2B5EF4-FFF2-40B4-BE49-F238E27FC236}">
+                <a16:creationId xmlns:a16="http://schemas.microsoft.com/office/drawing/2014/main" id="{0D636F5C-83E1-605D-AE81-C414CEDE2E33}"/>
+              </a:ext>
+            </a:extLst>
+          </p:cNvPr>
+          <p:cNvSpPr>
+            <a:spLocks noGrp="1"/>
+          </p:cNvSpPr>
+          <p:nvPr>
+            <p:ph type="title"/>
+          </p:nvPr>
+        </p:nvSpPr>
+        <p:spPr/>
+        <p:txBody>
+          <a:bodyPr/>
+          <a:lstStyle/>
+          <a:p>
+            <a:r>
+              <a:rPr lang="en-US" altLang="zh-CN" dirty="0"/>
+              <a:t>V. About the Future</a:t>
+            </a:r>
+            <a:endParaRPr lang="zh-CN" altLang="en-US" dirty="0"/>
+          </a:p>
+        </p:txBody>
+      </p:sp>
+      <p:sp>
+        <p:nvSpPr>
+          <p:cNvPr id="3" name="页脚占位符 2">
+            <a:extLst>
+              <a:ext uri="{FF2B5EF4-FFF2-40B4-BE49-F238E27FC236}">
+                <a16:creationId xmlns:a16="http://schemas.microsoft.com/office/drawing/2014/main" id="{DE86E4EA-54C4-3037-8D96-B1F3BF84510A}"/>
+              </a:ext>
+            </a:extLst>
+          </p:cNvPr>
+          <p:cNvSpPr>
+            <a:spLocks noGrp="1"/>
+          </p:cNvSpPr>
+          <p:nvPr>
+            <p:ph type="ftr" sz="quarter" idx="3"/>
+          </p:nvPr>
+        </p:nvSpPr>
+        <p:spPr/>
+        <p:txBody>
+          <a:bodyPr/>
+          <a:lstStyle/>
+          <a:p>
+            <a:r>
+              <a:rPr lang="en-US" altLang="zh-CN"/>
+              <a:t>Wenzhou – Kean University</a:t>
+            </a:r>
+          </a:p>
+          <a:p>
+            <a:r>
+              <a:rPr lang="en-US" altLang="zh-CN"/>
+              <a:t>College of Science, Mathematics and Technology</a:t>
+            </a:r>
+            <a:endParaRPr lang="en-US" altLang="zh-CN" dirty="0"/>
+          </a:p>
+        </p:txBody>
+      </p:sp>
+      <p:sp>
+        <p:nvSpPr>
+          <p:cNvPr id="4" name="灯片编号占位符 3">
+            <a:extLst>
+              <a:ext uri="{FF2B5EF4-FFF2-40B4-BE49-F238E27FC236}">
+                <a16:creationId xmlns:a16="http://schemas.microsoft.com/office/drawing/2014/main" id="{6F1E6C58-3F62-8178-B646-09A9BF43415B}"/>
+              </a:ext>
+            </a:extLst>
+          </p:cNvPr>
+          <p:cNvSpPr>
+            <a:spLocks noGrp="1"/>
+          </p:cNvSpPr>
+          <p:nvPr>
+            <p:ph type="sldNum" sz="quarter" idx="4"/>
+          </p:nvPr>
+        </p:nvSpPr>
+        <p:spPr/>
+        <p:txBody>
+          <a:bodyPr/>
+          <a:lstStyle/>
+          <a:p>
+            <a:fld id="{D5496141-EF9F-48D7-BC1D-782D37831BAB}" type="slidenum">
+              <a:rPr lang="zh-CN" altLang="en-US" smtClean="0"/>
+              <a:t>18</a:t>
+            </a:fld>
+            <a:endParaRPr lang="zh-CN" altLang="en-US"/>
+          </a:p>
+        </p:txBody>
+      </p:sp>
+      <p:sp>
+        <p:nvSpPr>
+          <p:cNvPr id="6" name="文本框 5">
+            <a:extLst>
+              <a:ext uri="{FF2B5EF4-FFF2-40B4-BE49-F238E27FC236}">
+                <a16:creationId xmlns:a16="http://schemas.microsoft.com/office/drawing/2014/main" id="{30136117-28C7-11A2-D18B-44147DB15100}"/>
+              </a:ext>
+            </a:extLst>
+          </p:cNvPr>
+          <p:cNvSpPr txBox="1"/>
+          <p:nvPr/>
+        </p:nvSpPr>
+        <p:spPr>
+          <a:xfrm>
+            <a:off x="255933" y="1101727"/>
+            <a:ext cx="6097656" cy="3362459"/>
+          </a:xfrm>
+          <a:prstGeom prst="rect">
+            <a:avLst/>
+          </a:prstGeom>
+          <a:noFill/>
+        </p:spPr>
+        <p:txBody>
+          <a:bodyPr wrap="square">
+            <a:spAutoFit/>
+          </a:bodyPr>
+          <a:lstStyle/>
+          <a:p>
+            <a:pPr>
+              <a:lnSpc>
+                <a:spcPts val="1650"/>
+              </a:lnSpc>
+            </a:pPr>
+            <a:r>
+              <a:rPr lang="en-US" altLang="zh-CN" b="0" dirty="0">
+                <a:solidFill>
+                  <a:srgbClr val="CCCCCC"/>
+                </a:solidFill>
+                <a:effectLst/>
+                <a:latin typeface="Cascadia Next SC" panose="020B0609020000020004" pitchFamily="49" charset="-120"/>
+                <a:ea typeface="Cascadia Next SC" panose="020B0609020000020004" pitchFamily="49" charset="-120"/>
+              </a:rPr>
+              <a:t>Starting from 2023, the advancements in AI and machine learning are enhancing almost every aspect of computer science. The shift towards AI-powered automated testing is not just a trend, but a fact. With the help of AI, the pioneers in mobile testing automation are trying a new efficient way to change the very cornerstone of automated testing, which is element identification. By introducing hybrid strategies that include context-aware locators, heuristic-based identification, and early implementations of adaptive and self-healing locators, to reduce the usage of traditional element identification methods, such as XPath, CSS selectors, and static attributes, to solve the key challenges above.</a:t>
+            </a:r>
+          </a:p>
+        </p:txBody>
+      </p:sp>
+      <p:sp>
+        <p:nvSpPr>
+          <p:cNvPr id="8" name="文本框 7">
+            <a:extLst>
+              <a:ext uri="{FF2B5EF4-FFF2-40B4-BE49-F238E27FC236}">
+                <a16:creationId xmlns:a16="http://schemas.microsoft.com/office/drawing/2014/main" id="{D2DB188A-F30D-A39B-E2EC-B009ECDCB1EA}"/>
+              </a:ext>
+            </a:extLst>
+          </p:cNvPr>
+          <p:cNvSpPr txBox="1"/>
+          <p:nvPr/>
+        </p:nvSpPr>
+        <p:spPr>
+          <a:xfrm>
+            <a:off x="5768837" y="2453555"/>
+            <a:ext cx="6097656" cy="3798476"/>
+          </a:xfrm>
+          <a:prstGeom prst="rect">
+            <a:avLst/>
+          </a:prstGeom>
+          <a:noFill/>
+        </p:spPr>
+        <p:txBody>
+          <a:bodyPr wrap="square">
+            <a:spAutoFit/>
+          </a:bodyPr>
+          <a:lstStyle/>
+          <a:p>
+            <a:pPr>
+              <a:lnSpc>
+                <a:spcPts val="1650"/>
+              </a:lnSpc>
+            </a:pPr>
+            <a:r>
+              <a:rPr lang="en-US" altLang="zh-CN" b="0" dirty="0">
+                <a:solidFill>
+                  <a:srgbClr val="CCCCCC"/>
+                </a:solidFill>
+                <a:effectLst/>
+                <a:latin typeface="Cascadia Next SC" panose="020B0609020000020004" pitchFamily="49" charset="-120"/>
+                <a:ea typeface="Cascadia Next SC" panose="020B0609020000020004" pitchFamily="49" charset="-120"/>
+              </a:rPr>
+              <a:t>Another breakthrough of the mobile testing automation will be the change of the testing device or environment. The definition of Test-as-a-Service (TaaS) was introduced back in 2015, but because of the limitations of cloud resources and other technical barriers, there have been no significant breakthroughs recently. Nowadays, with the concept of cloud-native becoming more and more acceptable for developers,  many applications, as well as mobile applications, are “born” with cloud-native. With cloud-based platforms like AWS Device Farm and Firebase Test Lab, tester can quickly and efficiently test their mobile application across multiple devices and operating systems without any local preparation. Using cloud-based platforms also makes it easier for testers to keep track of their results and analyze their performance.</a:t>
+            </a:r>
+          </a:p>
+        </p:txBody>
+      </p:sp>
+    </p:spTree>
+    <p:extLst>
+      <p:ext uri="{BB962C8B-B14F-4D97-AF65-F5344CB8AC3E}">
+        <p14:creationId xmlns:p14="http://schemas.microsoft.com/office/powerpoint/2010/main" val="3656747099"/>
+      </p:ext>
+    </p:extLst>
+  </p:cSld>
+  <p:clrMapOvr>
+    <a:masterClrMapping/>
+  </p:clrMapOvr>
+</p:sld>
+</file>
+
+<file path=ppt/slides/slide19.xml><?xml version="1.0" encoding="utf-8"?>
+<p:sld xmlns:a="http://schemas.openxmlformats.org/drawingml/2006/main" xmlns:r="http://schemas.openxmlformats.org/officeDocument/2006/relationships" xmlns:p="http://schemas.openxmlformats.org/presentationml/2006/main">
+  <p:cSld>
+    <p:spTree>
+      <p:nvGrpSpPr>
+        <p:cNvPr id="1" name=""/>
+        <p:cNvGrpSpPr/>
+        <p:nvPr/>
+      </p:nvGrpSpPr>
+      <p:grpSpPr>
+        <a:xfrm>
+          <a:off x="0" y="0"/>
+          <a:ext cx="0" cy="0"/>
+          <a:chOff x="0" y="0"/>
+          <a:chExt cx="0" cy="0"/>
+        </a:xfrm>
+      </p:grpSpPr>
+      <p:sp>
+        <p:nvSpPr>
+          <p:cNvPr id="2" name="标题 1">
+            <a:extLst>
+              <a:ext uri="{FF2B5EF4-FFF2-40B4-BE49-F238E27FC236}">
+                <a16:creationId xmlns:a16="http://schemas.microsoft.com/office/drawing/2014/main" id="{81E2D47E-6A3B-DEE4-11C8-A55D98490F5B}"/>
+              </a:ext>
+            </a:extLst>
+          </p:cNvPr>
+          <p:cNvSpPr>
+            <a:spLocks noGrp="1"/>
+          </p:cNvSpPr>
+          <p:nvPr>
+            <p:ph type="title"/>
+          </p:nvPr>
+        </p:nvSpPr>
+        <p:spPr/>
+        <p:txBody>
+          <a:bodyPr/>
+          <a:lstStyle/>
+          <a:p>
+            <a:endParaRPr lang="zh-CN" altLang="en-US"/>
+          </a:p>
+        </p:txBody>
+      </p:sp>
+      <p:sp>
+        <p:nvSpPr>
+          <p:cNvPr id="3" name="页脚占位符 2">
+            <a:extLst>
+              <a:ext uri="{FF2B5EF4-FFF2-40B4-BE49-F238E27FC236}">
+                <a16:creationId xmlns:a16="http://schemas.microsoft.com/office/drawing/2014/main" id="{24CC8BF8-EE2E-EF94-ED92-5FDFCF93D898}"/>
+              </a:ext>
+            </a:extLst>
+          </p:cNvPr>
+          <p:cNvSpPr>
+            <a:spLocks noGrp="1"/>
+          </p:cNvSpPr>
+          <p:nvPr>
+            <p:ph type="ftr" sz="quarter" idx="3"/>
+          </p:nvPr>
+        </p:nvSpPr>
+        <p:spPr/>
+        <p:txBody>
+          <a:bodyPr/>
+          <a:lstStyle/>
+          <a:p>
+            <a:r>
+              <a:rPr lang="en-US" altLang="zh-CN"/>
+              <a:t>Wenzhou – Kean University</a:t>
+            </a:r>
+          </a:p>
+          <a:p>
+            <a:r>
+              <a:rPr lang="en-US" altLang="zh-CN"/>
+              <a:t>College of Science, Mathematics and Technology</a:t>
+            </a:r>
+            <a:endParaRPr lang="en-US" altLang="zh-CN" dirty="0"/>
+          </a:p>
+        </p:txBody>
+      </p:sp>
+      <p:sp>
+        <p:nvSpPr>
+          <p:cNvPr id="4" name="灯片编号占位符 3">
+            <a:extLst>
+              <a:ext uri="{FF2B5EF4-FFF2-40B4-BE49-F238E27FC236}">
+                <a16:creationId xmlns:a16="http://schemas.microsoft.com/office/drawing/2014/main" id="{34CB3EEC-2853-CD97-47E1-F598A99BCCDD}"/>
+              </a:ext>
+            </a:extLst>
+          </p:cNvPr>
+          <p:cNvSpPr>
+            <a:spLocks noGrp="1"/>
+          </p:cNvSpPr>
+          <p:nvPr>
+            <p:ph type="sldNum" sz="quarter" idx="4"/>
+          </p:nvPr>
+        </p:nvSpPr>
+        <p:spPr/>
+        <p:txBody>
+          <a:bodyPr/>
+          <a:lstStyle/>
+          <a:p>
+            <a:fld id="{D5496141-EF9F-48D7-BC1D-782D37831BAB}" type="slidenum">
+              <a:rPr lang="zh-CN" altLang="en-US" smtClean="0"/>
+              <a:t>19</a:t>
+            </a:fld>
+            <a:endParaRPr lang="zh-CN" altLang="en-US"/>
+          </a:p>
+        </p:txBody>
+      </p:sp>
+      <p:sp>
+        <p:nvSpPr>
+          <p:cNvPr id="6" name="文本框 5">
+            <a:extLst>
+              <a:ext uri="{FF2B5EF4-FFF2-40B4-BE49-F238E27FC236}">
+                <a16:creationId xmlns:a16="http://schemas.microsoft.com/office/drawing/2014/main" id="{1DEB8206-89BA-A6B6-12A4-1EB1C786ABF0}"/>
+              </a:ext>
+            </a:extLst>
+          </p:cNvPr>
+          <p:cNvSpPr txBox="1"/>
+          <p:nvPr/>
+        </p:nvSpPr>
+        <p:spPr>
+          <a:xfrm>
+            <a:off x="3048828" y="2421674"/>
+            <a:ext cx="6097656" cy="2054409"/>
+          </a:xfrm>
+          <a:prstGeom prst="rect">
+            <a:avLst/>
+          </a:prstGeom>
+          <a:noFill/>
+        </p:spPr>
+        <p:txBody>
+          <a:bodyPr wrap="square">
+            <a:spAutoFit/>
+          </a:bodyPr>
+          <a:lstStyle/>
+          <a:p>
+            <a:pPr>
+              <a:lnSpc>
+                <a:spcPts val="1650"/>
+              </a:lnSpc>
+            </a:pPr>
+            <a:r>
+              <a:rPr lang="en-US" altLang="zh-CN" b="0" dirty="0">
+                <a:solidFill>
+                  <a:srgbClr val="CCCCCC"/>
+                </a:solidFill>
+                <a:effectLst/>
+                <a:latin typeface="Cascadia Next SC" panose="020B0609020000020004" pitchFamily="49" charset="-120"/>
+                <a:ea typeface="Cascadia Next SC" panose="020B0609020000020004" pitchFamily="49" charset="-120"/>
+              </a:rPr>
+              <a:t>Finally, in the foreseeable future, mobile app testing will continue to become more accessible and affordable. The cost of testing mobile applications has been steadily decreasing over the years, and this trend is likely to continue in the coming years. This will make it easier for developers and testers to access the tools and resources they need to ensure that their apps are of the highest quality.</a:t>
+            </a:r>
+          </a:p>
+        </p:txBody>
+      </p:sp>
+    </p:spTree>
+    <p:extLst>
+      <p:ext uri="{BB962C8B-B14F-4D97-AF65-F5344CB8AC3E}">
+        <p14:creationId xmlns:p14="http://schemas.microsoft.com/office/powerpoint/2010/main" val="2781072555"/>
       </p:ext>
     </p:extLst>
   </p:cSld>
@@ -10043,6 +11982,555 @@
     <p:extLst>
       <p:ext uri="{BB962C8B-B14F-4D97-AF65-F5344CB8AC3E}">
         <p14:creationId xmlns:p14="http://schemas.microsoft.com/office/powerpoint/2010/main" val="4056354496"/>
+      </p:ext>
+    </p:extLst>
+  </p:cSld>
+  <p:clrMapOvr>
+    <a:masterClrMapping/>
+  </p:clrMapOvr>
+</p:sld>
+</file>
+
+<file path=ppt/slides/slide20.xml><?xml version="1.0" encoding="utf-8"?>
+<p:sld xmlns:a="http://schemas.openxmlformats.org/drawingml/2006/main" xmlns:r="http://schemas.openxmlformats.org/officeDocument/2006/relationships" xmlns:p="http://schemas.openxmlformats.org/presentationml/2006/main">
+  <p:cSld>
+    <p:spTree>
+      <p:nvGrpSpPr>
+        <p:cNvPr id="1" name=""/>
+        <p:cNvGrpSpPr/>
+        <p:nvPr/>
+      </p:nvGrpSpPr>
+      <p:grpSpPr>
+        <a:xfrm>
+          <a:off x="0" y="0"/>
+          <a:ext cx="0" cy="0"/>
+          <a:chOff x="0" y="0"/>
+          <a:chExt cx="0" cy="0"/>
+        </a:xfrm>
+      </p:grpSpPr>
+      <p:sp>
+        <p:nvSpPr>
+          <p:cNvPr id="2" name="标题 1">
+            <a:extLst>
+              <a:ext uri="{FF2B5EF4-FFF2-40B4-BE49-F238E27FC236}">
+                <a16:creationId xmlns:a16="http://schemas.microsoft.com/office/drawing/2014/main" id="{4A0CD05A-49EA-4131-578F-61A0B2B4086E}"/>
+              </a:ext>
+            </a:extLst>
+          </p:cNvPr>
+          <p:cNvSpPr>
+            <a:spLocks noGrp="1"/>
+          </p:cNvSpPr>
+          <p:nvPr>
+            <p:ph type="title"/>
+          </p:nvPr>
+        </p:nvSpPr>
+        <p:spPr/>
+        <p:txBody>
+          <a:bodyPr/>
+          <a:lstStyle/>
+          <a:p>
+            <a:r>
+              <a:rPr lang="en-US" altLang="zh-CN" dirty="0"/>
+              <a:t>VI. Conclusion</a:t>
+            </a:r>
+            <a:endParaRPr lang="zh-CN" altLang="en-US" dirty="0"/>
+          </a:p>
+        </p:txBody>
+      </p:sp>
+      <p:sp>
+        <p:nvSpPr>
+          <p:cNvPr id="3" name="页脚占位符 2">
+            <a:extLst>
+              <a:ext uri="{FF2B5EF4-FFF2-40B4-BE49-F238E27FC236}">
+                <a16:creationId xmlns:a16="http://schemas.microsoft.com/office/drawing/2014/main" id="{E680E45B-773E-5E62-4431-6788BF049F08}"/>
+              </a:ext>
+            </a:extLst>
+          </p:cNvPr>
+          <p:cNvSpPr>
+            <a:spLocks noGrp="1"/>
+          </p:cNvSpPr>
+          <p:nvPr>
+            <p:ph type="ftr" sz="quarter" idx="3"/>
+          </p:nvPr>
+        </p:nvSpPr>
+        <p:spPr/>
+        <p:txBody>
+          <a:bodyPr/>
+          <a:lstStyle/>
+          <a:p>
+            <a:r>
+              <a:rPr lang="en-US" altLang="zh-CN"/>
+              <a:t>Wenzhou – Kean University</a:t>
+            </a:r>
+          </a:p>
+          <a:p>
+            <a:r>
+              <a:rPr lang="en-US" altLang="zh-CN"/>
+              <a:t>College of Science, Mathematics and Technology</a:t>
+            </a:r>
+            <a:endParaRPr lang="en-US" altLang="zh-CN" dirty="0"/>
+          </a:p>
+        </p:txBody>
+      </p:sp>
+      <p:sp>
+        <p:nvSpPr>
+          <p:cNvPr id="4" name="灯片编号占位符 3">
+            <a:extLst>
+              <a:ext uri="{FF2B5EF4-FFF2-40B4-BE49-F238E27FC236}">
+                <a16:creationId xmlns:a16="http://schemas.microsoft.com/office/drawing/2014/main" id="{063A5AF8-72CE-6090-1DFC-25C6A1A7B023}"/>
+              </a:ext>
+            </a:extLst>
+          </p:cNvPr>
+          <p:cNvSpPr>
+            <a:spLocks noGrp="1"/>
+          </p:cNvSpPr>
+          <p:nvPr>
+            <p:ph type="sldNum" sz="quarter" idx="4"/>
+          </p:nvPr>
+        </p:nvSpPr>
+        <p:spPr/>
+        <p:txBody>
+          <a:bodyPr/>
+          <a:lstStyle/>
+          <a:p>
+            <a:fld id="{D5496141-EF9F-48D7-BC1D-782D37831BAB}" type="slidenum">
+              <a:rPr lang="zh-CN" altLang="en-US" smtClean="0"/>
+              <a:t>20</a:t>
+            </a:fld>
+            <a:endParaRPr lang="zh-CN" altLang="en-US"/>
+          </a:p>
+        </p:txBody>
+      </p:sp>
+      <p:sp>
+        <p:nvSpPr>
+          <p:cNvPr id="8" name="文本框 7">
+            <a:extLst>
+              <a:ext uri="{FF2B5EF4-FFF2-40B4-BE49-F238E27FC236}">
+                <a16:creationId xmlns:a16="http://schemas.microsoft.com/office/drawing/2014/main" id="{F0FD394A-20A1-1451-55AA-4541FFCD3617}"/>
+              </a:ext>
+            </a:extLst>
+          </p:cNvPr>
+          <p:cNvSpPr txBox="1"/>
+          <p:nvPr/>
+        </p:nvSpPr>
+        <p:spPr>
+          <a:xfrm>
+            <a:off x="3048828" y="677607"/>
+            <a:ext cx="6097656" cy="5542543"/>
+          </a:xfrm>
+          <a:prstGeom prst="rect">
+            <a:avLst/>
+          </a:prstGeom>
+          <a:noFill/>
+        </p:spPr>
+        <p:txBody>
+          <a:bodyPr wrap="square">
+            <a:spAutoFit/>
+          </a:bodyPr>
+          <a:lstStyle/>
+          <a:p>
+            <a:pPr>
+              <a:lnSpc>
+                <a:spcPts val="1650"/>
+              </a:lnSpc>
+              <a:buNone/>
+            </a:pPr>
+            <a:r>
+              <a:rPr lang="en-US" altLang="zh-CN" b="0" dirty="0">
+                <a:solidFill>
+                  <a:srgbClr val="CCCCCC"/>
+                </a:solidFill>
+                <a:effectLst/>
+                <a:latin typeface="Cascadia Next SC" panose="020B0609020000020004" pitchFamily="49" charset="-120"/>
+                <a:ea typeface="Cascadia Next SC" panose="020B0609020000020004" pitchFamily="49" charset="-120"/>
+              </a:rPr>
+              <a:t>In summary, automated mobile application testing has become an indispensable part of the software development lifecycle, with various tools and frameworks available to address different testing needs. While established tools like Appium, Calabash, and </a:t>
+            </a:r>
+            <a:r>
+              <a:rPr lang="en-US" altLang="zh-CN" b="0" dirty="0" err="1">
+                <a:solidFill>
+                  <a:srgbClr val="CCCCCC"/>
+                </a:solidFill>
+                <a:effectLst/>
+                <a:latin typeface="Cascadia Next SC" panose="020B0609020000020004" pitchFamily="49" charset="-120"/>
+                <a:ea typeface="Cascadia Next SC" panose="020B0609020000020004" pitchFamily="49" charset="-120"/>
+              </a:rPr>
+              <a:t>XCUITest</a:t>
+            </a:r>
+            <a:r>
+              <a:rPr lang="en-US" altLang="zh-CN" b="0" dirty="0">
+                <a:solidFill>
+                  <a:srgbClr val="CCCCCC"/>
+                </a:solidFill>
+                <a:effectLst/>
+                <a:latin typeface="Cascadia Next SC" panose="020B0609020000020004" pitchFamily="49" charset="-120"/>
+                <a:ea typeface="Cascadia Next SC" panose="020B0609020000020004" pitchFamily="49" charset="-120"/>
+              </a:rPr>
+              <a:t> provide robust solutions for current testing requirements, significant challenges persist in the form of device fragmentation, platform diversity, and resource constraints. However, the future of mobile testing automation appears promising with the emergence of AI-powered testing solutions, cloud-based testing platforms, and more accessible testing tools.</a:t>
+            </a:r>
+          </a:p>
+          <a:p>
+            <a:pPr>
+              <a:lnSpc>
+                <a:spcPts val="1650"/>
+              </a:lnSpc>
+            </a:pPr>
+            <a:br>
+              <a:rPr lang="en-US" altLang="zh-CN" b="0" dirty="0">
+                <a:solidFill>
+                  <a:srgbClr val="CCCCCC"/>
+                </a:solidFill>
+                <a:effectLst/>
+                <a:latin typeface="Cascadia Next SC" panose="020B0609020000020004" pitchFamily="49" charset="-120"/>
+                <a:ea typeface="Cascadia Next SC" panose="020B0609020000020004" pitchFamily="49" charset="-120"/>
+              </a:rPr>
+            </a:br>
+            <a:r>
+              <a:rPr lang="en-US" altLang="zh-CN" b="0" dirty="0">
+                <a:solidFill>
+                  <a:srgbClr val="CCCCCC"/>
+                </a:solidFill>
+                <a:effectLst/>
+                <a:latin typeface="Cascadia Next SC" panose="020B0609020000020004" pitchFamily="49" charset="-120"/>
+                <a:ea typeface="Cascadia Next SC" panose="020B0609020000020004" pitchFamily="49" charset="-120"/>
+              </a:rPr>
+              <a:t>The integration of artificial intelligence in element identification and the growing adoption of cloud-native testing approaches are set to revolutionize how mobile applications are tested. The shift towards AI-powered automated testing is particularly significant, as it addresses one of the fundamental challenges in mobile testing - element identification. With advanced techniques like context-aware locators and self-healing mechanisms, testing frameworks are becoming more resilient and adaptable.</a:t>
+            </a:r>
+          </a:p>
+        </p:txBody>
+      </p:sp>
+    </p:spTree>
+    <p:extLst>
+      <p:ext uri="{BB962C8B-B14F-4D97-AF65-F5344CB8AC3E}">
+        <p14:creationId xmlns:p14="http://schemas.microsoft.com/office/powerpoint/2010/main" val="4264875411"/>
+      </p:ext>
+    </p:extLst>
+  </p:cSld>
+  <p:clrMapOvr>
+    <a:masterClrMapping/>
+  </p:clrMapOvr>
+</p:sld>
+</file>
+
+<file path=ppt/slides/slide21.xml><?xml version="1.0" encoding="utf-8"?>
+<p:sld xmlns:a="http://schemas.openxmlformats.org/drawingml/2006/main" xmlns:r="http://schemas.openxmlformats.org/officeDocument/2006/relationships" xmlns:p="http://schemas.openxmlformats.org/presentationml/2006/main">
+  <p:cSld>
+    <p:spTree>
+      <p:nvGrpSpPr>
+        <p:cNvPr id="1" name=""/>
+        <p:cNvGrpSpPr/>
+        <p:nvPr/>
+      </p:nvGrpSpPr>
+      <p:grpSpPr>
+        <a:xfrm>
+          <a:off x="0" y="0"/>
+          <a:ext cx="0" cy="0"/>
+          <a:chOff x="0" y="0"/>
+          <a:chExt cx="0" cy="0"/>
+        </a:xfrm>
+      </p:grpSpPr>
+      <p:sp>
+        <p:nvSpPr>
+          <p:cNvPr id="2" name="标题 1">
+            <a:extLst>
+              <a:ext uri="{FF2B5EF4-FFF2-40B4-BE49-F238E27FC236}">
+                <a16:creationId xmlns:a16="http://schemas.microsoft.com/office/drawing/2014/main" id="{37DF8D1A-3B1F-1430-6840-44F76660F65E}"/>
+              </a:ext>
+            </a:extLst>
+          </p:cNvPr>
+          <p:cNvSpPr>
+            <a:spLocks noGrp="1"/>
+          </p:cNvSpPr>
+          <p:nvPr>
+            <p:ph type="title"/>
+          </p:nvPr>
+        </p:nvSpPr>
+        <p:spPr/>
+        <p:txBody>
+          <a:bodyPr/>
+          <a:lstStyle/>
+          <a:p>
+            <a:endParaRPr lang="zh-CN" altLang="en-US"/>
+          </a:p>
+        </p:txBody>
+      </p:sp>
+      <p:sp>
+        <p:nvSpPr>
+          <p:cNvPr id="3" name="页脚占位符 2">
+            <a:extLst>
+              <a:ext uri="{FF2B5EF4-FFF2-40B4-BE49-F238E27FC236}">
+                <a16:creationId xmlns:a16="http://schemas.microsoft.com/office/drawing/2014/main" id="{33994C14-AAFD-936B-EE90-0B8A8B414BA5}"/>
+              </a:ext>
+            </a:extLst>
+          </p:cNvPr>
+          <p:cNvSpPr>
+            <a:spLocks noGrp="1"/>
+          </p:cNvSpPr>
+          <p:nvPr>
+            <p:ph type="ftr" sz="quarter" idx="3"/>
+          </p:nvPr>
+        </p:nvSpPr>
+        <p:spPr/>
+        <p:txBody>
+          <a:bodyPr/>
+          <a:lstStyle/>
+          <a:p>
+            <a:r>
+              <a:rPr lang="en-US" altLang="zh-CN"/>
+              <a:t>Wenzhou – Kean University</a:t>
+            </a:r>
+          </a:p>
+          <a:p>
+            <a:r>
+              <a:rPr lang="en-US" altLang="zh-CN"/>
+              <a:t>College of Science, Mathematics and Technology</a:t>
+            </a:r>
+            <a:endParaRPr lang="en-US" altLang="zh-CN" dirty="0"/>
+          </a:p>
+        </p:txBody>
+      </p:sp>
+      <p:sp>
+        <p:nvSpPr>
+          <p:cNvPr id="4" name="灯片编号占位符 3">
+            <a:extLst>
+              <a:ext uri="{FF2B5EF4-FFF2-40B4-BE49-F238E27FC236}">
+                <a16:creationId xmlns:a16="http://schemas.microsoft.com/office/drawing/2014/main" id="{8AA09965-ABAD-8BA0-288A-0B43A03D1171}"/>
+              </a:ext>
+            </a:extLst>
+          </p:cNvPr>
+          <p:cNvSpPr>
+            <a:spLocks noGrp="1"/>
+          </p:cNvSpPr>
+          <p:nvPr>
+            <p:ph type="sldNum" sz="quarter" idx="4"/>
+          </p:nvPr>
+        </p:nvSpPr>
+        <p:spPr/>
+        <p:txBody>
+          <a:bodyPr/>
+          <a:lstStyle/>
+          <a:p>
+            <a:fld id="{D5496141-EF9F-48D7-BC1D-782D37831BAB}" type="slidenum">
+              <a:rPr lang="zh-CN" altLang="en-US" smtClean="0"/>
+              <a:t>21</a:t>
+            </a:fld>
+            <a:endParaRPr lang="zh-CN" altLang="en-US"/>
+          </a:p>
+        </p:txBody>
+      </p:sp>
+      <p:sp>
+        <p:nvSpPr>
+          <p:cNvPr id="6" name="文本框 5">
+            <a:extLst>
+              <a:ext uri="{FF2B5EF4-FFF2-40B4-BE49-F238E27FC236}">
+                <a16:creationId xmlns:a16="http://schemas.microsoft.com/office/drawing/2014/main" id="{B8CC781A-E195-8BAE-5045-9AA01C5A1F10}"/>
+              </a:ext>
+            </a:extLst>
+          </p:cNvPr>
+          <p:cNvSpPr txBox="1"/>
+          <p:nvPr/>
+        </p:nvSpPr>
+        <p:spPr>
+          <a:xfrm>
+            <a:off x="3048828" y="786611"/>
+            <a:ext cx="6097656" cy="5324535"/>
+          </a:xfrm>
+          <a:prstGeom prst="rect">
+            <a:avLst/>
+          </a:prstGeom>
+          <a:noFill/>
+        </p:spPr>
+        <p:txBody>
+          <a:bodyPr wrap="square">
+            <a:spAutoFit/>
+          </a:bodyPr>
+          <a:lstStyle/>
+          <a:p>
+            <a:pPr>
+              <a:lnSpc>
+                <a:spcPts val="1650"/>
+              </a:lnSpc>
+              <a:buNone/>
+            </a:pPr>
+            <a:r>
+              <a:rPr lang="en-US" altLang="zh-CN" b="0" dirty="0">
+                <a:solidFill>
+                  <a:srgbClr val="CCCCCC"/>
+                </a:solidFill>
+                <a:effectLst/>
+                <a:latin typeface="Cascadia Next SC" panose="020B0609020000020004" pitchFamily="49" charset="-120"/>
+                <a:ea typeface="Cascadia Next SC" panose="020B0609020000020004" pitchFamily="49" charset="-120"/>
+              </a:rPr>
+              <a:t>Furthermore, the evolution of cloud-based testing platforms has opened new possibilities for scalable and efficient testing environments. The concept of Test-as-a-Service (TaaS) is gaining momentum, allowing organizations to leverage cloud resources for comprehensive testing across multiple devices and operating systems without significant infrastructure investments. This democratization of testing resources, combined with decreasing costs, is making quality assurance more accessible to developers and organizations of all sizes.</a:t>
+            </a:r>
+          </a:p>
+          <a:p>
+            <a:pPr>
+              <a:lnSpc>
+                <a:spcPts val="1650"/>
+              </a:lnSpc>
+            </a:pPr>
+            <a:br>
+              <a:rPr lang="en-US" altLang="zh-CN" b="0" dirty="0">
+                <a:solidFill>
+                  <a:srgbClr val="CCCCCC"/>
+                </a:solidFill>
+                <a:effectLst/>
+                <a:latin typeface="Cascadia Next SC" panose="020B0609020000020004" pitchFamily="49" charset="-120"/>
+                <a:ea typeface="Cascadia Next SC" panose="020B0609020000020004" pitchFamily="49" charset="-120"/>
+              </a:rPr>
+            </a:br>
+            <a:r>
+              <a:rPr lang="en-US" altLang="zh-CN" b="0" dirty="0">
+                <a:solidFill>
+                  <a:srgbClr val="CCCCCC"/>
+                </a:solidFill>
+                <a:effectLst/>
+                <a:latin typeface="Cascadia Next SC" panose="020B0609020000020004" pitchFamily="49" charset="-120"/>
+                <a:ea typeface="Cascadia Next SC" panose="020B0609020000020004" pitchFamily="49" charset="-120"/>
+              </a:rPr>
+              <a:t>As the mobile application landscape continues to evolve, the testing methodologies and tools will need to adapt accordingly. The challenges of today are driving innovation in testing approaches, and the solutions being developed are not just addressing current limitations but are also paving the way for more sophisticated, efficient, and accessible testing practices in the future. This ongoing evolution in mobile application testing will ultimately contribute to higher-quality applications and better user experiences across the mobile ecosystem.</a:t>
+            </a:r>
+          </a:p>
+        </p:txBody>
+      </p:sp>
+    </p:spTree>
+    <p:extLst>
+      <p:ext uri="{BB962C8B-B14F-4D97-AF65-F5344CB8AC3E}">
+        <p14:creationId xmlns:p14="http://schemas.microsoft.com/office/powerpoint/2010/main" val="521796952"/>
+      </p:ext>
+    </p:extLst>
+  </p:cSld>
+  <p:clrMapOvr>
+    <a:masterClrMapping/>
+  </p:clrMapOvr>
+</p:sld>
+</file>
+
+<file path=ppt/slides/slide22.xml><?xml version="1.0" encoding="utf-8"?>
+<p:sld xmlns:a="http://schemas.openxmlformats.org/drawingml/2006/main" xmlns:r="http://schemas.openxmlformats.org/officeDocument/2006/relationships" xmlns:p="http://schemas.openxmlformats.org/presentationml/2006/main">
+  <p:cSld>
+    <p:spTree>
+      <p:nvGrpSpPr>
+        <p:cNvPr id="1" name=""/>
+        <p:cNvGrpSpPr/>
+        <p:nvPr/>
+      </p:nvGrpSpPr>
+      <p:grpSpPr>
+        <a:xfrm>
+          <a:off x="0" y="0"/>
+          <a:ext cx="0" cy="0"/>
+          <a:chOff x="0" y="0"/>
+          <a:chExt cx="0" cy="0"/>
+        </a:xfrm>
+      </p:grpSpPr>
+      <p:sp>
+        <p:nvSpPr>
+          <p:cNvPr id="3" name="页脚占位符 2">
+            <a:extLst>
+              <a:ext uri="{FF2B5EF4-FFF2-40B4-BE49-F238E27FC236}">
+                <a16:creationId xmlns:a16="http://schemas.microsoft.com/office/drawing/2014/main" id="{492EB84D-F457-766D-9DEB-1FECF0AAF8D2}"/>
+              </a:ext>
+            </a:extLst>
+          </p:cNvPr>
+          <p:cNvSpPr>
+            <a:spLocks noGrp="1"/>
+          </p:cNvSpPr>
+          <p:nvPr>
+            <p:ph type="ftr" sz="quarter" idx="11"/>
+          </p:nvPr>
+        </p:nvSpPr>
+        <p:spPr/>
+        <p:txBody>
+          <a:bodyPr/>
+          <a:lstStyle/>
+          <a:p>
+            <a:r>
+              <a:rPr lang="en-US" altLang="zh-CN"/>
+              <a:t>Wenzhou – Kean University</a:t>
+            </a:r>
+          </a:p>
+          <a:p>
+            <a:r>
+              <a:rPr lang="en-US" altLang="zh-CN"/>
+              <a:t>College of Science, Mathematics and Technology</a:t>
+            </a:r>
+            <a:endParaRPr lang="en-US" altLang="zh-CN" dirty="0"/>
+          </a:p>
+        </p:txBody>
+      </p:sp>
+      <p:sp>
+        <p:nvSpPr>
+          <p:cNvPr id="5" name="标题 4">
+            <a:extLst>
+              <a:ext uri="{FF2B5EF4-FFF2-40B4-BE49-F238E27FC236}">
+                <a16:creationId xmlns:a16="http://schemas.microsoft.com/office/drawing/2014/main" id="{09B24510-9BF4-F08D-84E5-E407F99B5763}"/>
+              </a:ext>
+            </a:extLst>
+          </p:cNvPr>
+          <p:cNvSpPr>
+            <a:spLocks noGrp="1"/>
+          </p:cNvSpPr>
+          <p:nvPr>
+            <p:ph type="title"/>
+          </p:nvPr>
+        </p:nvSpPr>
+        <p:spPr>
+          <a:xfrm>
+            <a:off x="838200" y="3094228"/>
+            <a:ext cx="10515600" cy="669545"/>
+          </a:xfrm>
+        </p:spPr>
+        <p:txBody>
+          <a:bodyPr/>
+          <a:lstStyle/>
+          <a:p>
+            <a:r>
+              <a:rPr lang="en-US" altLang="zh-CN" dirty="0"/>
+              <a:t>Thanks</a:t>
+            </a:r>
+            <a:endParaRPr lang="zh-CN" altLang="en-US" dirty="0"/>
+          </a:p>
+        </p:txBody>
+      </p:sp>
+      <p:sp>
+        <p:nvSpPr>
+          <p:cNvPr id="4" name="灯片编号占位符 3">
+            <a:extLst>
+              <a:ext uri="{FF2B5EF4-FFF2-40B4-BE49-F238E27FC236}">
+                <a16:creationId xmlns:a16="http://schemas.microsoft.com/office/drawing/2014/main" id="{68BDFE62-FE91-CC04-0799-207CADC3EFFE}"/>
+              </a:ext>
+            </a:extLst>
+          </p:cNvPr>
+          <p:cNvSpPr>
+            <a:spLocks noGrp="1"/>
+          </p:cNvSpPr>
+          <p:nvPr>
+            <p:ph type="sldNum" sz="quarter" idx="4294967295"/>
+          </p:nvPr>
+        </p:nvSpPr>
+        <p:spPr>
+          <a:xfrm>
+            <a:off x="9448800" y="6481763"/>
+            <a:ext cx="2743200" cy="365125"/>
+          </a:xfrm>
+        </p:spPr>
+        <p:txBody>
+          <a:bodyPr/>
+          <a:lstStyle/>
+          <a:p>
+            <a:fld id="{D5496141-EF9F-48D7-BC1D-782D37831BAB}" type="slidenum">
+              <a:rPr lang="zh-CN" altLang="en-US" smtClean="0"/>
+              <a:t>22</a:t>
+            </a:fld>
+            <a:endParaRPr lang="zh-CN" altLang="en-US"/>
+          </a:p>
+        </p:txBody>
+      </p:sp>
+    </p:spTree>
+    <p:extLst>
+      <p:ext uri="{BB962C8B-B14F-4D97-AF65-F5344CB8AC3E}">
+        <p14:creationId xmlns:p14="http://schemas.microsoft.com/office/powerpoint/2010/main" val="2246681676"/>
       </p:ext>
     </p:extLst>
   </p:cSld>
@@ -12481,6 +14969,230 @@
           </a:p>
         </p:txBody>
       </p:sp>
+      <p:sp>
+        <p:nvSpPr>
+          <p:cNvPr id="8" name="文本框 7">
+            <a:extLst>
+              <a:ext uri="{FF2B5EF4-FFF2-40B4-BE49-F238E27FC236}">
+                <a16:creationId xmlns:a16="http://schemas.microsoft.com/office/drawing/2014/main" id="{34D97390-3B59-8730-1D0E-788F3D0DED32}"/>
+              </a:ext>
+            </a:extLst>
+          </p:cNvPr>
+          <p:cNvSpPr txBox="1"/>
+          <p:nvPr/>
+        </p:nvSpPr>
+        <p:spPr>
+          <a:xfrm>
+            <a:off x="434835" y="1208758"/>
+            <a:ext cx="10995163" cy="646331"/>
+          </a:xfrm>
+          <a:prstGeom prst="rect">
+            <a:avLst/>
+          </a:prstGeom>
+          <a:noFill/>
+        </p:spPr>
+        <p:txBody>
+          <a:bodyPr wrap="square">
+            <a:spAutoFit/>
+          </a:bodyPr>
+          <a:lstStyle/>
+          <a:p>
+            <a:pPr algn="just"/>
+            <a:r>
+              <a:rPr lang="en-US" altLang="zh-CN" dirty="0"/>
+              <a:t>Selenium is a widely adopted open-source framework primarily designed for web application testing but extended for mobile web testing through integration with tools like Appium or </a:t>
+            </a:r>
+            <a:r>
+              <a:rPr lang="en-US" altLang="zh-CN" dirty="0" err="1"/>
+              <a:t>Selendroid</a:t>
+            </a:r>
+            <a:r>
+              <a:rPr lang="en-US" altLang="zh-CN" dirty="0"/>
+              <a:t>. </a:t>
+            </a:r>
+            <a:endParaRPr lang="zh-CN" altLang="en-US" dirty="0"/>
+          </a:p>
+        </p:txBody>
+      </p:sp>
+      <p:sp>
+        <p:nvSpPr>
+          <p:cNvPr id="20" name="文本框 19">
+            <a:extLst>
+              <a:ext uri="{FF2B5EF4-FFF2-40B4-BE49-F238E27FC236}">
+                <a16:creationId xmlns:a16="http://schemas.microsoft.com/office/drawing/2014/main" id="{25DC9D1D-E0FC-31DE-0FD8-1193137C535A}"/>
+              </a:ext>
+            </a:extLst>
+          </p:cNvPr>
+          <p:cNvSpPr txBox="1"/>
+          <p:nvPr/>
+        </p:nvSpPr>
+        <p:spPr>
+          <a:xfrm>
+            <a:off x="434834" y="2014115"/>
+            <a:ext cx="10995163" cy="4016484"/>
+          </a:xfrm>
+          <a:prstGeom prst="rect">
+            <a:avLst/>
+          </a:prstGeom>
+          <a:noFill/>
+        </p:spPr>
+        <p:txBody>
+          <a:bodyPr wrap="square">
+            <a:spAutoFit/>
+          </a:bodyPr>
+          <a:lstStyle/>
+          <a:p>
+            <a:pPr>
+              <a:lnSpc>
+                <a:spcPts val="1650"/>
+              </a:lnSpc>
+              <a:buNone/>
+            </a:pPr>
+            <a:r>
+              <a:rPr lang="en-US" altLang="zh-CN" b="0" dirty="0">
+                <a:solidFill>
+                  <a:srgbClr val="CCCCCC"/>
+                </a:solidFill>
+                <a:effectLst/>
+                <a:latin typeface="Cascadia Next SC" panose="020B0609020000020004" pitchFamily="49" charset="-120"/>
+                <a:ea typeface="Cascadia Next SC" panose="020B0609020000020004" pitchFamily="49" charset="-120"/>
+              </a:rPr>
+              <a:t>A key strength of Selenium for mobile web testing is its support for cross-browser testing, allowing testers to verify application behavior across various mobile browsers (such as Chrome, Firefox, and Safari) on both Android and iOS devices. It leverages the WebDriver protocol—W3C-compliant in Selenium 4—to interact with mobile browsers, enabling simulation of user actions like clicks, swipes, and text input. Additionally, Selenium offers language flexibility, supporting multiple programming languages (Java, Python, C</a:t>
+            </a:r>
+            <a:r>
+              <a:rPr lang="en-US" altLang="zh-CN" b="0" dirty="0">
+                <a:solidFill>
+                  <a:srgbClr val="D7BA7D"/>
+                </a:solidFill>
+                <a:effectLst/>
+                <a:latin typeface="Cascadia Next SC" panose="020B0609020000020004" pitchFamily="49" charset="-120"/>
+                <a:ea typeface="Cascadia Next SC" panose="020B0609020000020004" pitchFamily="49" charset="-120"/>
+              </a:rPr>
+              <a:t>\#</a:t>
+            </a:r>
+            <a:r>
+              <a:rPr lang="en-US" altLang="zh-CN" b="0" dirty="0">
+                <a:solidFill>
+                  <a:srgbClr val="CCCCCC"/>
+                </a:solidFill>
+                <a:effectLst/>
+                <a:latin typeface="Cascadia Next SC" panose="020B0609020000020004" pitchFamily="49" charset="-120"/>
+                <a:ea typeface="Cascadia Next SC" panose="020B0609020000020004" pitchFamily="49" charset="-120"/>
+              </a:rPr>
+              <a:t>, Ruby, JavaScript), so testers can write scripts in their preferred language.</a:t>
+            </a:r>
+          </a:p>
+          <a:p>
+            <a:pPr>
+              <a:lnSpc>
+                <a:spcPts val="1650"/>
+              </a:lnSpc>
+              <a:buNone/>
+            </a:pPr>
+            <a:br>
+              <a:rPr lang="en-US" altLang="zh-CN" b="0" dirty="0">
+                <a:solidFill>
+                  <a:srgbClr val="CCCCCC"/>
+                </a:solidFill>
+                <a:effectLst/>
+                <a:latin typeface="Cascadia Next SC" panose="020B0609020000020004" pitchFamily="49" charset="-120"/>
+                <a:ea typeface="Cascadia Next SC" panose="020B0609020000020004" pitchFamily="49" charset="-120"/>
+              </a:rPr>
+            </a:br>
+            <a:r>
+              <a:rPr lang="en-US" altLang="zh-CN" b="0" dirty="0">
+                <a:solidFill>
+                  <a:srgbClr val="CCCCCC"/>
+                </a:solidFill>
+                <a:effectLst/>
+                <a:latin typeface="Cascadia Next SC" panose="020B0609020000020004" pitchFamily="49" charset="-120"/>
+                <a:ea typeface="Cascadia Next SC" panose="020B0609020000020004" pitchFamily="49" charset="-120"/>
+              </a:rPr>
+              <a:t>To enhance mobile testing, Selenium integrates with Appium (for Android and iOS) or </a:t>
+            </a:r>
+            <a:r>
+              <a:rPr lang="en-US" altLang="zh-CN" b="0" dirty="0" err="1">
+                <a:solidFill>
+                  <a:srgbClr val="CCCCCC"/>
+                </a:solidFill>
+                <a:effectLst/>
+                <a:latin typeface="Cascadia Next SC" panose="020B0609020000020004" pitchFamily="49" charset="-120"/>
+                <a:ea typeface="Cascadia Next SC" panose="020B0609020000020004" pitchFamily="49" charset="-120"/>
+              </a:rPr>
+              <a:t>Selendroid</a:t>
+            </a:r>
+            <a:r>
+              <a:rPr lang="en-US" altLang="zh-CN" b="0" dirty="0">
+                <a:solidFill>
+                  <a:srgbClr val="CCCCCC"/>
+                </a:solidFill>
+                <a:effectLst/>
+                <a:latin typeface="Cascadia Next SC" panose="020B0609020000020004" pitchFamily="49" charset="-120"/>
+                <a:ea typeface="Cascadia Next SC" panose="020B0609020000020004" pitchFamily="49" charset="-120"/>
+              </a:rPr>
+              <a:t> (Android-only), utilizing its WebDriver API for mobile browser automation. It also provides the flexibility to run tests on real devices, emulators, or simulators, accommodating different testing environments. For scalability, Selenium Grid enables parallel test execution across multiple devices and browsers, reducing execution time. Test scripts can be made reusable and maintainable using frameworks like TestNG or JUnit, often following the Page Object Model (POM) for better organization. Furthermore, Selenium supports cloud-based testing through platforms like </a:t>
+            </a:r>
+            <a:r>
+              <a:rPr lang="en-US" altLang="zh-CN" b="0" dirty="0" err="1">
+                <a:solidFill>
+                  <a:srgbClr val="CCCCCC"/>
+                </a:solidFill>
+                <a:effectLst/>
+                <a:latin typeface="Cascadia Next SC" panose="020B0609020000020004" pitchFamily="49" charset="-120"/>
+                <a:ea typeface="Cascadia Next SC" panose="020B0609020000020004" pitchFamily="49" charset="-120"/>
+              </a:rPr>
+              <a:t>BrowserStack</a:t>
+            </a:r>
+            <a:r>
+              <a:rPr lang="en-US" altLang="zh-CN" b="0" dirty="0">
+                <a:solidFill>
+                  <a:srgbClr val="CCCCCC"/>
+                </a:solidFill>
+                <a:effectLst/>
+                <a:latin typeface="Cascadia Next SC" panose="020B0609020000020004" pitchFamily="49" charset="-120"/>
+                <a:ea typeface="Cascadia Next SC" panose="020B0609020000020004" pitchFamily="49" charset="-120"/>
+              </a:rPr>
+              <a:t> and Sauce Labs, allowing testers to evaluate mobile web applications across a wide range of devices and browser versions without requiring a local setup. These features make Selenium a robust choice for mobile web automation.</a:t>
+            </a:r>
+          </a:p>
+        </p:txBody>
+      </p:sp>
+      <p:pic>
+        <p:nvPicPr>
+          <p:cNvPr id="22" name="图片 21">
+            <a:extLst>
+              <a:ext uri="{FF2B5EF4-FFF2-40B4-BE49-F238E27FC236}">
+                <a16:creationId xmlns:a16="http://schemas.microsoft.com/office/drawing/2014/main" id="{25F8E261-5D93-8D18-6043-45C7DF3F49DB}"/>
+              </a:ext>
+            </a:extLst>
+          </p:cNvPr>
+          <p:cNvPicPr>
+            <a:picLocks noChangeAspect="1"/>
+          </p:cNvPicPr>
+          <p:nvPr/>
+        </p:nvPicPr>
+        <p:blipFill>
+          <a:blip r:embed="rId2">
+            <a:extLst>
+              <a:ext uri="{28A0092B-C50C-407E-A947-70E740481C1C}">
+                <a14:useLocalDpi xmlns:a14="http://schemas.microsoft.com/office/drawing/2010/main" val="0"/>
+              </a:ext>
+            </a:extLst>
+          </a:blip>
+          <a:stretch>
+            <a:fillRect/>
+          </a:stretch>
+        </p:blipFill>
+        <p:spPr>
+          <a:xfrm>
+            <a:off x="4731025" y="2796783"/>
+            <a:ext cx="6452483" cy="2988603"/>
+          </a:xfrm>
+          <a:prstGeom prst="rect">
+            <a:avLst/>
+          </a:prstGeom>
+        </p:spPr>
+      </p:pic>
     </p:spTree>
     <p:extLst>
       <p:ext uri="{BB962C8B-B14F-4D97-AF65-F5344CB8AC3E}">
@@ -12516,7 +15228,7 @@
           <p:cNvPr id="2" name="标题 1">
             <a:extLst>
               <a:ext uri="{FF2B5EF4-FFF2-40B4-BE49-F238E27FC236}">
-                <a16:creationId xmlns:a16="http://schemas.microsoft.com/office/drawing/2014/main" id="{E214A8B4-121F-E057-091A-9B31698CB7AE}"/>
+                <a16:creationId xmlns:a16="http://schemas.microsoft.com/office/drawing/2014/main" id="{0D01FC31-E9E3-EE86-D4D5-CA36ED841954}"/>
               </a:ext>
             </a:extLst>
           </p:cNvPr>
@@ -12532,11 +15244,7 @@
           <a:bodyPr/>
           <a:lstStyle/>
           <a:p>
-            <a:r>
-              <a:rPr lang="en-US" altLang="zh-CN" dirty="0"/>
-              <a:t>III. Appium</a:t>
-            </a:r>
-            <a:endParaRPr lang="zh-CN" altLang="en-US" dirty="0"/>
+            <a:endParaRPr lang="zh-CN" altLang="en-US"/>
           </a:p>
         </p:txBody>
       </p:sp>
@@ -12545,7 +15253,7 @@
           <p:cNvPr id="3" name="页脚占位符 2">
             <a:extLst>
               <a:ext uri="{FF2B5EF4-FFF2-40B4-BE49-F238E27FC236}">
-                <a16:creationId xmlns:a16="http://schemas.microsoft.com/office/drawing/2014/main" id="{58E59368-79B4-199A-4120-AF401C476760}"/>
+                <a16:creationId xmlns:a16="http://schemas.microsoft.com/office/drawing/2014/main" id="{B573DB55-E607-8B7F-C6C6-E24DBA9A7789}"/>
               </a:ext>
             </a:extLst>
           </p:cNvPr>
@@ -12580,7 +15288,7 @@
           <p:cNvPr id="4" name="灯片编号占位符 3">
             <a:extLst>
               <a:ext uri="{FF2B5EF4-FFF2-40B4-BE49-F238E27FC236}">
-                <a16:creationId xmlns:a16="http://schemas.microsoft.com/office/drawing/2014/main" id="{DADC2A72-A24B-B98E-FF1F-659D846AE762}"/>
+                <a16:creationId xmlns:a16="http://schemas.microsoft.com/office/drawing/2014/main" id="{1129C438-183A-4E4E-E7F5-A5BE649556D5}"/>
               </a:ext>
             </a:extLst>
           </p:cNvPr>
@@ -12604,10 +15312,482 @@
           </a:p>
         </p:txBody>
       </p:sp>
+      <p:sp>
+        <p:nvSpPr>
+          <p:cNvPr id="6" name="文本框 5">
+            <a:extLst>
+              <a:ext uri="{FF2B5EF4-FFF2-40B4-BE49-F238E27FC236}">
+                <a16:creationId xmlns:a16="http://schemas.microsoft.com/office/drawing/2014/main" id="{35022838-857D-04B8-2CD1-F9E8E6B54CEC}"/>
+              </a:ext>
+            </a:extLst>
+          </p:cNvPr>
+          <p:cNvSpPr txBox="1"/>
+          <p:nvPr/>
+        </p:nvSpPr>
+        <p:spPr>
+          <a:xfrm>
+            <a:off x="675861" y="66977"/>
+            <a:ext cx="10654747" cy="6414577"/>
+          </a:xfrm>
+          <a:prstGeom prst="rect">
+            <a:avLst/>
+          </a:prstGeom>
+          <a:noFill/>
+        </p:spPr>
+        <p:txBody>
+          <a:bodyPr wrap="square">
+            <a:spAutoFit/>
+          </a:bodyPr>
+          <a:lstStyle/>
+          <a:p>
+            <a:pPr>
+              <a:lnSpc>
+                <a:spcPts val="1650"/>
+              </a:lnSpc>
+              <a:buNone/>
+            </a:pPr>
+            <a:r>
+              <a:rPr lang="en-US" altLang="zh-CN" b="0" dirty="0">
+                <a:solidFill>
+                  <a:srgbClr val="CCCCCC"/>
+                </a:solidFill>
+                <a:effectLst/>
+                <a:latin typeface="Cascadia Next SC" panose="020B0609020000020004" pitchFamily="49" charset="-120"/>
+                <a:ea typeface="Cascadia Next SC" panose="020B0609020000020004" pitchFamily="49" charset="-120"/>
+              </a:rPr>
+              <a:t>To breakdown the pros and cons of using Selenium, the following are the pros of using Selenium:</a:t>
+            </a:r>
+          </a:p>
+          <a:p>
+            <a:pPr>
+              <a:lnSpc>
+                <a:spcPts val="1650"/>
+              </a:lnSpc>
+              <a:buNone/>
+            </a:pPr>
+            <a:br>
+              <a:rPr lang="en-US" altLang="zh-CN" b="0" dirty="0">
+                <a:solidFill>
+                  <a:srgbClr val="CCCCCC"/>
+                </a:solidFill>
+                <a:effectLst/>
+                <a:latin typeface="Cascadia Next SC" panose="020B0609020000020004" pitchFamily="49" charset="-120"/>
+                <a:ea typeface="Cascadia Next SC" panose="020B0609020000020004" pitchFamily="49" charset="-120"/>
+              </a:rPr>
+            </a:br>
+            <a:r>
+              <a:rPr lang="en-US" altLang="zh-CN" b="0" dirty="0">
+                <a:solidFill>
+                  <a:srgbClr val="CCCCCC"/>
+                </a:solidFill>
+                <a:effectLst/>
+                <a:latin typeface="Cascadia Next SC" panose="020B0609020000020004" pitchFamily="49" charset="-120"/>
+                <a:ea typeface="Cascadia Next SC" panose="020B0609020000020004" pitchFamily="49" charset="-120"/>
+              </a:rPr>
+              <a:t>- Open-Source &amp; Free: No licensing costs, with strong community support.</a:t>
+            </a:r>
+          </a:p>
+          <a:p>
+            <a:pPr>
+              <a:lnSpc>
+                <a:spcPts val="1650"/>
+              </a:lnSpc>
+              <a:buNone/>
+            </a:pPr>
+            <a:r>
+              <a:rPr lang="en-US" altLang="zh-CN" b="0" dirty="0">
+                <a:solidFill>
+                  <a:srgbClr val="CCCCCC"/>
+                </a:solidFill>
+                <a:effectLst/>
+                <a:latin typeface="Cascadia Next SC" panose="020B0609020000020004" pitchFamily="49" charset="-120"/>
+                <a:ea typeface="Cascadia Next SC" panose="020B0609020000020004" pitchFamily="49" charset="-120"/>
+              </a:rPr>
+              <a:t>- Broad Browser Support: Works on Chrome, Firefox, Safari, and more.</a:t>
+            </a:r>
+          </a:p>
+          <a:p>
+            <a:pPr>
+              <a:lnSpc>
+                <a:spcPts val="1650"/>
+              </a:lnSpc>
+              <a:buNone/>
+            </a:pPr>
+            <a:r>
+              <a:rPr lang="en-US" altLang="zh-CN" b="0" dirty="0">
+                <a:solidFill>
+                  <a:srgbClr val="CCCCCC"/>
+                </a:solidFill>
+                <a:effectLst/>
+                <a:latin typeface="Cascadia Next SC" panose="020B0609020000020004" pitchFamily="49" charset="-120"/>
+                <a:ea typeface="Cascadia Next SC" panose="020B0609020000020004" pitchFamily="49" charset="-120"/>
+              </a:rPr>
+              <a:t>- Language &amp; Framework Flexibility: Supports Java, Python, C</a:t>
+            </a:r>
+            <a:r>
+              <a:rPr lang="en-US" altLang="zh-CN" b="0" dirty="0">
+                <a:solidFill>
+                  <a:srgbClr val="D7BA7D"/>
+                </a:solidFill>
+                <a:effectLst/>
+                <a:latin typeface="Cascadia Next SC" panose="020B0609020000020004" pitchFamily="49" charset="-120"/>
+                <a:ea typeface="Cascadia Next SC" panose="020B0609020000020004" pitchFamily="49" charset="-120"/>
+              </a:rPr>
+              <a:t>\#</a:t>
+            </a:r>
+            <a:r>
+              <a:rPr lang="en-US" altLang="zh-CN" b="0" dirty="0">
+                <a:solidFill>
+                  <a:srgbClr val="CCCCCC"/>
+                </a:solidFill>
+                <a:effectLst/>
+                <a:latin typeface="Cascadia Next SC" panose="020B0609020000020004" pitchFamily="49" charset="-120"/>
+                <a:ea typeface="Cascadia Next SC" panose="020B0609020000020004" pitchFamily="49" charset="-120"/>
+              </a:rPr>
+              <a:t>, etc., and integrates with TestNG/JUnit.</a:t>
+            </a:r>
+          </a:p>
+          <a:p>
+            <a:pPr>
+              <a:lnSpc>
+                <a:spcPts val="1650"/>
+              </a:lnSpc>
+              <a:buNone/>
+            </a:pPr>
+            <a:r>
+              <a:rPr lang="en-US" altLang="zh-CN" b="0" dirty="0">
+                <a:solidFill>
+                  <a:srgbClr val="CCCCCC"/>
+                </a:solidFill>
+                <a:effectLst/>
+                <a:latin typeface="Cascadia Next SC" panose="020B0609020000020004" pitchFamily="49" charset="-120"/>
+                <a:ea typeface="Cascadia Next SC" panose="020B0609020000020004" pitchFamily="49" charset="-120"/>
+              </a:rPr>
+              <a:t>- Scalability with Selenium Grid: Enables parallel testing across devices for faster execution.</a:t>
+            </a:r>
+          </a:p>
+          <a:p>
+            <a:pPr>
+              <a:lnSpc>
+                <a:spcPts val="1650"/>
+              </a:lnSpc>
+              <a:buNone/>
+            </a:pPr>
+            <a:r>
+              <a:rPr lang="en-US" altLang="zh-CN" b="0" dirty="0">
+                <a:solidFill>
+                  <a:srgbClr val="CCCCCC"/>
+                </a:solidFill>
+                <a:effectLst/>
+                <a:latin typeface="Cascadia Next SC" panose="020B0609020000020004" pitchFamily="49" charset="-120"/>
+                <a:ea typeface="Cascadia Next SC" panose="020B0609020000020004" pitchFamily="49" charset="-120"/>
+              </a:rPr>
+              <a:t>- Strong Community &amp; Ecosystem: Extensive documentation and third-party tool integrations (e.g., Allure, Extent Reports).</a:t>
+            </a:r>
+          </a:p>
+          <a:p>
+            <a:pPr>
+              <a:lnSpc>
+                <a:spcPts val="1650"/>
+              </a:lnSpc>
+              <a:buNone/>
+            </a:pPr>
+            <a:r>
+              <a:rPr lang="en-US" altLang="zh-CN" b="0" dirty="0">
+                <a:solidFill>
+                  <a:srgbClr val="CCCCCC"/>
+                </a:solidFill>
+                <a:effectLst/>
+                <a:latin typeface="Cascadia Next SC" panose="020B0609020000020004" pitchFamily="49" charset="-120"/>
+                <a:ea typeface="Cascadia Next SC" panose="020B0609020000020004" pitchFamily="49" charset="-120"/>
+              </a:rPr>
+              <a:t>- Easy Transition for Web Testers: Familiar Selenium WebDriver API works with Appium/</a:t>
+            </a:r>
+            <a:r>
+              <a:rPr lang="en-US" altLang="zh-CN" b="0" dirty="0" err="1">
+                <a:solidFill>
+                  <a:srgbClr val="CCCCCC"/>
+                </a:solidFill>
+                <a:effectLst/>
+                <a:latin typeface="Cascadia Next SC" panose="020B0609020000020004" pitchFamily="49" charset="-120"/>
+                <a:ea typeface="Cascadia Next SC" panose="020B0609020000020004" pitchFamily="49" charset="-120"/>
+              </a:rPr>
+              <a:t>Selendroid</a:t>
+            </a:r>
+            <a:r>
+              <a:rPr lang="en-US" altLang="zh-CN" b="0" dirty="0">
+                <a:solidFill>
+                  <a:srgbClr val="CCCCCC"/>
+                </a:solidFill>
+                <a:effectLst/>
+                <a:latin typeface="Cascadia Next SC" panose="020B0609020000020004" pitchFamily="49" charset="-120"/>
+                <a:ea typeface="Cascadia Next SC" panose="020B0609020000020004" pitchFamily="49" charset="-120"/>
+              </a:rPr>
+              <a:t> for mobile.</a:t>
+            </a:r>
+          </a:p>
+          <a:p>
+            <a:pPr>
+              <a:lnSpc>
+                <a:spcPts val="1650"/>
+              </a:lnSpc>
+              <a:buNone/>
+            </a:pPr>
+            <a:r>
+              <a:rPr lang="en-US" altLang="zh-CN" b="0" dirty="0">
+                <a:solidFill>
+                  <a:srgbClr val="CCCCCC"/>
+                </a:solidFill>
+                <a:effectLst/>
+                <a:latin typeface="Cascadia Next SC" panose="020B0609020000020004" pitchFamily="49" charset="-120"/>
+                <a:ea typeface="Cascadia Next SC" panose="020B0609020000020004" pitchFamily="49" charset="-120"/>
+              </a:rPr>
+              <a:t>- Cloud Integration: Works with </a:t>
+            </a:r>
+            <a:r>
+              <a:rPr lang="en-US" altLang="zh-CN" b="0" dirty="0" err="1">
+                <a:solidFill>
+                  <a:srgbClr val="CCCCCC"/>
+                </a:solidFill>
+                <a:effectLst/>
+                <a:latin typeface="Cascadia Next SC" panose="020B0609020000020004" pitchFamily="49" charset="-120"/>
+                <a:ea typeface="Cascadia Next SC" panose="020B0609020000020004" pitchFamily="49" charset="-120"/>
+              </a:rPr>
+              <a:t>BrowserStack</a:t>
+            </a:r>
+            <a:r>
+              <a:rPr lang="en-US" altLang="zh-CN" b="0" dirty="0">
+                <a:solidFill>
+                  <a:srgbClr val="CCCCCC"/>
+                </a:solidFill>
+                <a:effectLst/>
+                <a:latin typeface="Cascadia Next SC" panose="020B0609020000020004" pitchFamily="49" charset="-120"/>
+                <a:ea typeface="Cascadia Next SC" panose="020B0609020000020004" pitchFamily="49" charset="-120"/>
+              </a:rPr>
+              <a:t>, Sauce Labs for testing on multiple devices without local setup.</a:t>
+            </a:r>
+          </a:p>
+          <a:p>
+            <a:pPr>
+              <a:lnSpc>
+                <a:spcPts val="1650"/>
+              </a:lnSpc>
+              <a:buNone/>
+            </a:pPr>
+            <a:br>
+              <a:rPr lang="en-US" altLang="zh-CN" b="0" dirty="0">
+                <a:solidFill>
+                  <a:srgbClr val="CCCCCC"/>
+                </a:solidFill>
+                <a:effectLst/>
+                <a:latin typeface="Cascadia Next SC" panose="020B0609020000020004" pitchFamily="49" charset="-120"/>
+                <a:ea typeface="Cascadia Next SC" panose="020B0609020000020004" pitchFamily="49" charset="-120"/>
+              </a:rPr>
+            </a:br>
+            <a:r>
+              <a:rPr lang="en-US" altLang="zh-CN" b="0" dirty="0">
+                <a:solidFill>
+                  <a:srgbClr val="CCCCCC"/>
+                </a:solidFill>
+                <a:effectLst/>
+                <a:latin typeface="Cascadia Next SC" panose="020B0609020000020004" pitchFamily="49" charset="-120"/>
+                <a:ea typeface="Cascadia Next SC" panose="020B0609020000020004" pitchFamily="49" charset="-120"/>
+              </a:rPr>
+              <a:t>And the cons of using Selenium are:</a:t>
+            </a:r>
+          </a:p>
+          <a:p>
+            <a:pPr>
+              <a:lnSpc>
+                <a:spcPts val="1650"/>
+              </a:lnSpc>
+              <a:buNone/>
+            </a:pPr>
+            <a:br>
+              <a:rPr lang="en-US" altLang="zh-CN" b="0" dirty="0">
+                <a:solidFill>
+                  <a:srgbClr val="CCCCCC"/>
+                </a:solidFill>
+                <a:effectLst/>
+                <a:latin typeface="Cascadia Next SC" panose="020B0609020000020004" pitchFamily="49" charset="-120"/>
+                <a:ea typeface="Cascadia Next SC" panose="020B0609020000020004" pitchFamily="49" charset="-120"/>
+              </a:rPr>
+            </a:br>
+            <a:r>
+              <a:rPr lang="en-US" altLang="zh-CN" b="0" dirty="0">
+                <a:solidFill>
+                  <a:srgbClr val="CCCCCC"/>
+                </a:solidFill>
+                <a:effectLst/>
+                <a:latin typeface="Cascadia Next SC" panose="020B0609020000020004" pitchFamily="49" charset="-120"/>
+                <a:ea typeface="Cascadia Next SC" panose="020B0609020000020004" pitchFamily="49" charset="-120"/>
+              </a:rPr>
+              <a:t>- No Native Mobile App Support: Requires Appium/</a:t>
+            </a:r>
+            <a:r>
+              <a:rPr lang="en-US" altLang="zh-CN" b="0" dirty="0" err="1">
+                <a:solidFill>
+                  <a:srgbClr val="CCCCCC"/>
+                </a:solidFill>
+                <a:effectLst/>
+                <a:latin typeface="Cascadia Next SC" panose="020B0609020000020004" pitchFamily="49" charset="-120"/>
+                <a:ea typeface="Cascadia Next SC" panose="020B0609020000020004" pitchFamily="49" charset="-120"/>
+              </a:rPr>
+              <a:t>Selendroid</a:t>
+            </a:r>
+            <a:r>
+              <a:rPr lang="en-US" altLang="zh-CN" b="0" dirty="0">
+                <a:solidFill>
+                  <a:srgbClr val="CCCCCC"/>
+                </a:solidFill>
+                <a:effectLst/>
+                <a:latin typeface="Cascadia Next SC" panose="020B0609020000020004" pitchFamily="49" charset="-120"/>
+                <a:ea typeface="Cascadia Next SC" panose="020B0609020000020004" pitchFamily="49" charset="-120"/>
+              </a:rPr>
+              <a:t> for mobile apps, adding complexity.</a:t>
+            </a:r>
+          </a:p>
+          <a:p>
+            <a:pPr>
+              <a:lnSpc>
+                <a:spcPts val="1650"/>
+              </a:lnSpc>
+              <a:buNone/>
+            </a:pPr>
+            <a:r>
+              <a:rPr lang="en-US" altLang="zh-CN" b="0" dirty="0">
+                <a:solidFill>
+                  <a:srgbClr val="CCCCCC"/>
+                </a:solidFill>
+                <a:effectLst/>
+                <a:latin typeface="Cascadia Next SC" panose="020B0609020000020004" pitchFamily="49" charset="-120"/>
+                <a:ea typeface="Cascadia Next SC" panose="020B0609020000020004" pitchFamily="49" charset="-120"/>
+              </a:rPr>
+              <a:t>- Setup Complexity: Configuring Appium, Android SDK, or Node.js can be difficult for beginners.</a:t>
+            </a:r>
+          </a:p>
+          <a:p>
+            <a:pPr>
+              <a:lnSpc>
+                <a:spcPts val="1650"/>
+              </a:lnSpc>
+              <a:buNone/>
+            </a:pPr>
+            <a:r>
+              <a:rPr lang="en-US" altLang="zh-CN" b="0" dirty="0">
+                <a:solidFill>
+                  <a:srgbClr val="CCCCCC"/>
+                </a:solidFill>
+                <a:effectLst/>
+                <a:latin typeface="Cascadia Next SC" panose="020B0609020000020004" pitchFamily="49" charset="-120"/>
+                <a:ea typeface="Cascadia Next SC" panose="020B0609020000020004" pitchFamily="49" charset="-120"/>
+              </a:rPr>
+              <a:t>- Dynamic Content Challenges: Struggles with AJAX-heavy pages, needing manual waits.</a:t>
+            </a:r>
+          </a:p>
+          <a:p>
+            <a:pPr>
+              <a:lnSpc>
+                <a:spcPts val="1650"/>
+              </a:lnSpc>
+              <a:buNone/>
+            </a:pPr>
+            <a:r>
+              <a:rPr lang="en-US" altLang="zh-CN" b="0" dirty="0">
+                <a:solidFill>
+                  <a:srgbClr val="CCCCCC"/>
+                </a:solidFill>
+                <a:effectLst/>
+                <a:latin typeface="Cascadia Next SC" panose="020B0609020000020004" pitchFamily="49" charset="-120"/>
+                <a:ea typeface="Cascadia Next SC" panose="020B0609020000020004" pitchFamily="49" charset="-120"/>
+              </a:rPr>
+              <a:t>- Device Fragmentation Issues: Testing across different devices/OS versions can lead to inconsistencies.</a:t>
+            </a:r>
+          </a:p>
+          <a:p>
+            <a:pPr>
+              <a:lnSpc>
+                <a:spcPts val="1650"/>
+              </a:lnSpc>
+              <a:buNone/>
+            </a:pPr>
+            <a:r>
+              <a:rPr lang="en-US" altLang="zh-CN" b="0" dirty="0">
+                <a:solidFill>
+                  <a:srgbClr val="CCCCCC"/>
+                </a:solidFill>
+                <a:effectLst/>
+                <a:latin typeface="Cascadia Next SC" panose="020B0609020000020004" pitchFamily="49" charset="-120"/>
+                <a:ea typeface="Cascadia Next SC" panose="020B0609020000020004" pitchFamily="49" charset="-120"/>
+              </a:rPr>
+              <a:t>- No Built-in Reporting: Requires third-party tools (e.g., Allure) for detailed reports.</a:t>
+            </a:r>
+          </a:p>
+          <a:p>
+            <a:pPr>
+              <a:lnSpc>
+                <a:spcPts val="1650"/>
+              </a:lnSpc>
+              <a:buNone/>
+            </a:pPr>
+            <a:r>
+              <a:rPr lang="en-US" altLang="zh-CN" b="0" dirty="0">
+                <a:solidFill>
+                  <a:srgbClr val="CCCCCC"/>
+                </a:solidFill>
+                <a:effectLst/>
+                <a:latin typeface="Cascadia Next SC" panose="020B0609020000020004" pitchFamily="49" charset="-120"/>
+                <a:ea typeface="Cascadia Next SC" panose="020B0609020000020004" pitchFamily="49" charset="-120"/>
+              </a:rPr>
+              <a:t>- Limited Gesture Support: Mobile gestures (swipes, pinches) depend on Appium's </a:t>
+            </a:r>
+            <a:r>
+              <a:rPr lang="en-US" altLang="zh-CN" b="0" dirty="0" err="1">
+                <a:solidFill>
+                  <a:srgbClr val="CCCCCC"/>
+                </a:solidFill>
+                <a:effectLst/>
+                <a:latin typeface="Cascadia Next SC" panose="020B0609020000020004" pitchFamily="49" charset="-120"/>
+                <a:ea typeface="Cascadia Next SC" panose="020B0609020000020004" pitchFamily="49" charset="-120"/>
+              </a:rPr>
+              <a:t>TouchAction</a:t>
+            </a:r>
+            <a:r>
+              <a:rPr lang="en-US" altLang="zh-CN" b="0" dirty="0">
+                <a:solidFill>
+                  <a:srgbClr val="CCCCCC"/>
+                </a:solidFill>
+                <a:effectLst/>
+                <a:latin typeface="Cascadia Next SC" panose="020B0609020000020004" pitchFamily="49" charset="-120"/>
+                <a:ea typeface="Cascadia Next SC" panose="020B0609020000020004" pitchFamily="49" charset="-120"/>
+              </a:rPr>
+              <a:t> API.</a:t>
+            </a:r>
+          </a:p>
+          <a:p>
+            <a:pPr>
+              <a:lnSpc>
+                <a:spcPts val="1650"/>
+              </a:lnSpc>
+            </a:pPr>
+            <a:r>
+              <a:rPr lang="en-US" altLang="zh-CN" b="0" dirty="0">
+                <a:solidFill>
+                  <a:srgbClr val="CCCCCC"/>
+                </a:solidFill>
+                <a:effectLst/>
+                <a:latin typeface="Cascadia Next SC" panose="020B0609020000020004" pitchFamily="49" charset="-120"/>
+                <a:ea typeface="Cascadia Next SC" panose="020B0609020000020004" pitchFamily="49" charset="-120"/>
+              </a:rPr>
+              <a:t>- Maintenance Overhead: Scripts may need frequent updates due to browser/UI changes.</a:t>
+            </a:r>
+          </a:p>
+        </p:txBody>
+      </p:sp>
     </p:spTree>
     <p:extLst>
       <p:ext uri="{BB962C8B-B14F-4D97-AF65-F5344CB8AC3E}">
-        <p14:creationId xmlns:p14="http://schemas.microsoft.com/office/powerpoint/2010/main" val="3416848822"/>
+        <p14:creationId xmlns:p14="http://schemas.microsoft.com/office/powerpoint/2010/main" val="2468500361"/>
       </p:ext>
     </p:extLst>
   </p:cSld>

--- a/presentation.pptx
+++ b/presentation.pptx
@@ -8439,6 +8439,12 @@
           <a:p>
             <a:r>
               <a:rPr lang="en-US" altLang="zh-CN" dirty="0"/>
+              <a:t>Group 7</a:t>
+            </a:r>
+          </a:p>
+          <a:p>
+            <a:r>
+              <a:rPr lang="en-US" altLang="zh-CN" dirty="0"/>
               <a:t>Bao Cheng, 1335784</a:t>
             </a:r>
           </a:p>
